--- a/powerpoint/Keep Control of your PDF Files.pptx
+++ b/powerpoint/Keep Control of your PDF Files.pptx
@@ -303,7 +303,7 @@
           <a:p>
             <a:fld id="{24CE221E-83ED-4F6C-BA5F-3F9E6FDB6953}" type="datetimeFigureOut">
               <a:rPr lang="en-US"/>
-              <a:t>10/28/2017</a:t>
+              <a:t>11/15/2017</a:t>
             </a:fld>
             <a:endParaRPr dirty="0"/>
           </a:p>
@@ -468,7 +468,7 @@
           <a:p>
             <a:fld id="{97853E5F-CE67-483C-A264-F17AC70E9CA2}" type="datetimeFigureOut">
               <a:rPr lang="en-US"/>
-              <a:t>10/28/2017</a:t>
+              <a:t>11/15/2017</a:t>
             </a:fld>
             <a:endParaRPr dirty="0"/>
           </a:p>
@@ -1060,7 +1060,7 @@
           <a:p>
             <a:fld id="{3E0FA9E5-6744-4841-888F-9E7CC0C2B7EC}" type="datetimeFigureOut">
               <a:rPr lang="en-US" smtClean="0"/>
-              <a:t>10/28/2017</a:t>
+              <a:t>11/15/2017</a:t>
             </a:fld>
             <a:endParaRPr lang="en-US" dirty="0"/>
           </a:p>
@@ -1250,7 +1250,7 @@
           <a:p>
             <a:fld id="{3E0FA9E5-6744-4841-888F-9E7CC0C2B7EC}" type="datetimeFigureOut">
               <a:rPr lang="en-US" smtClean="0"/>
-              <a:t>10/28/2017</a:t>
+              <a:t>11/15/2017</a:t>
             </a:fld>
             <a:endParaRPr lang="en-US" dirty="0"/>
           </a:p>
@@ -1445,7 +1445,7 @@
           <a:p>
             <a:fld id="{3E0FA9E5-6744-4841-888F-9E7CC0C2B7EC}" type="datetimeFigureOut">
               <a:rPr lang="en-US" smtClean="0"/>
-              <a:t>10/28/2017</a:t>
+              <a:t>11/15/2017</a:t>
             </a:fld>
             <a:endParaRPr lang="en-US" dirty="0"/>
           </a:p>
@@ -1630,7 +1630,7 @@
           <a:p>
             <a:fld id="{3E0FA9E5-6744-4841-888F-9E7CC0C2B7EC}" type="datetimeFigureOut">
               <a:rPr lang="en-US" smtClean="0"/>
-              <a:t>10/28/2017</a:t>
+              <a:t>11/15/2017</a:t>
             </a:fld>
             <a:endParaRPr lang="en-US" dirty="0"/>
           </a:p>
@@ -1899,7 +1899,7 @@
           <a:p>
             <a:fld id="{3E0FA9E5-6744-4841-888F-9E7CC0C2B7EC}" type="datetimeFigureOut">
               <a:rPr lang="en-US" smtClean="0"/>
-              <a:t>10/28/2017</a:t>
+              <a:t>11/15/2017</a:t>
             </a:fld>
             <a:endParaRPr lang="en-US" dirty="0"/>
           </a:p>
@@ -2206,7 +2206,7 @@
           <a:p>
             <a:fld id="{3E0FA9E5-6744-4841-888F-9E7CC0C2B7EC}" type="datetimeFigureOut">
               <a:rPr lang="en-US" smtClean="0"/>
-              <a:t>10/28/2017</a:t>
+              <a:t>11/15/2017</a:t>
             </a:fld>
             <a:endParaRPr lang="en-US" dirty="0"/>
           </a:p>
@@ -2662,7 +2662,7 @@
           <a:p>
             <a:fld id="{3E0FA9E5-6744-4841-888F-9E7CC0C2B7EC}" type="datetimeFigureOut">
               <a:rPr lang="en-US" smtClean="0"/>
-              <a:t>10/28/2017</a:t>
+              <a:t>11/15/2017</a:t>
             </a:fld>
             <a:endParaRPr lang="en-US" dirty="0"/>
           </a:p>
@@ -2795,7 +2795,7 @@
           <a:p>
             <a:fld id="{3E0FA9E5-6744-4841-888F-9E7CC0C2B7EC}" type="datetimeFigureOut">
               <a:rPr lang="en-US" smtClean="0"/>
-              <a:t>10/28/2017</a:t>
+              <a:t>11/15/2017</a:t>
             </a:fld>
             <a:endParaRPr lang="en-US" dirty="0"/>
           </a:p>
@@ -2905,7 +2905,7 @@
           <a:p>
             <a:fld id="{3E0FA9E5-6744-4841-888F-9E7CC0C2B7EC}" type="datetimeFigureOut">
               <a:rPr lang="en-US" smtClean="0"/>
-              <a:t>10/28/2017</a:t>
+              <a:t>11/15/2017</a:t>
             </a:fld>
             <a:endParaRPr lang="en-US" dirty="0"/>
           </a:p>
@@ -3216,7 +3216,7 @@
           <a:p>
             <a:fld id="{3E0FA9E5-6744-4841-888F-9E7CC0C2B7EC}" type="datetimeFigureOut">
               <a:rPr lang="en-US" smtClean="0"/>
-              <a:t>10/28/2017</a:t>
+              <a:t>11/15/2017</a:t>
             </a:fld>
             <a:endParaRPr lang="en-US" dirty="0"/>
           </a:p>
@@ -3693,7 +3693,7 @@
             <a:fld id="{3E0FA9E5-6744-4841-888F-9E7CC0C2B7EC}" type="datetimeFigureOut">
               <a:rPr lang="en-US" smtClean="0"/>
               <a:pPr/>
-              <a:t>10/28/2017</a:t>
+              <a:t>11/15/2017</a:t>
             </a:fld>
             <a:endParaRPr lang="en-US" dirty="0"/>
           </a:p>
@@ -5671,12 +5671,12 @@
         <p:spPr>
           <a:xfrm>
             <a:off x="1065212" y="1828800"/>
-            <a:ext cx="3657600" cy="4724400"/>
+            <a:ext cx="3657600" cy="381000"/>
           </a:xfrm>
         </p:spPr>
         <p:txBody>
           <a:bodyPr>
-            <a:normAutofit/>
+            <a:normAutofit fontScale="62500" lnSpcReduction="20000"/>
           </a:bodyPr>
           <a:lstStyle/>
           <a:p>
@@ -5684,26 +5684,6 @@
               <a:rPr lang="en-US" b="1" dirty="0"/>
               <a:t>Are you confused?</a:t>
             </a:r>
-          </a:p>
-          <a:p>
-            <a:endParaRPr lang="en-US" b="1" dirty="0"/>
-          </a:p>
-          <a:p>
-            <a:endParaRPr lang="en-US" b="1" dirty="0"/>
-          </a:p>
-          <a:p>
-            <a:endParaRPr lang="en-US" b="1" dirty="0"/>
-          </a:p>
-          <a:p>
-            <a:endParaRPr lang="en-US" b="1" dirty="0"/>
-          </a:p>
-          <a:p>
-            <a:pPr marL="45720" indent="0">
-              <a:buNone/>
-            </a:pPr>
-            <a:br>
-              <a:rPr lang="en-US" dirty="0"/>
-            </a:br>
             <a:br>
               <a:rPr lang="en-US" dirty="0"/>
             </a:br>
@@ -5918,7 +5898,7 @@
         <p:spPr>
           <a:xfrm>
             <a:off x="7155450" y="1828800"/>
-            <a:ext cx="3657600" cy="4724400"/>
+            <a:ext cx="3657600" cy="533400"/>
           </a:xfrm>
           <a:prstGeom prst="rect">
             <a:avLst/>
@@ -6136,30 +6116,6 @@
               <a:rPr lang="en-US" b="1" dirty="0"/>
               <a:t>Special safe box</a:t>
             </a:r>
-          </a:p>
-          <a:p>
-            <a:endParaRPr lang="en-US" b="1" dirty="0"/>
-          </a:p>
-          <a:p>
-            <a:endParaRPr lang="en-US" b="1" dirty="0"/>
-          </a:p>
-          <a:p>
-            <a:endParaRPr lang="en-US" b="1" dirty="0"/>
-          </a:p>
-          <a:p>
-            <a:endParaRPr lang="en-US" b="1" dirty="0"/>
-          </a:p>
-          <a:p>
-            <a:pPr marL="45720" indent="0">
-              <a:buFont typeface="Arial" pitchFamily="34" charset="0"/>
-              <a:buNone/>
-            </a:pPr>
-            <a:br>
-              <a:rPr lang="en-US" dirty="0"/>
-            </a:br>
-            <a:br>
-              <a:rPr lang="en-US" dirty="0"/>
-            </a:br>
             <a:endParaRPr lang="en-US" dirty="0"/>
           </a:p>
         </p:txBody>
@@ -6174,16 +6130,12 @@
   <p:clrMapOvr>
     <a:masterClrMapping/>
   </p:clrMapOvr>
-  <mc:AlternateContent xmlns:mc="http://schemas.openxmlformats.org/markup-compatibility/2006" xmlns:p14="http://schemas.microsoft.com/office/powerpoint/2010/main">
-    <mc:Choice Requires="p14">
-      <p:transition spd="med" p14:dur="700">
-        <p:fade/>
-      </p:transition>
+  <mc:AlternateContent xmlns:mc="http://schemas.openxmlformats.org/markup-compatibility/2006">
+    <mc:Choice xmlns:p14="http://schemas.microsoft.com/office/powerpoint/2010/main" Requires="p14">
+      <p:transition p14:dur="0"/>
     </mc:Choice>
-    <mc:Fallback xmlns="">
-      <p:transition spd="med">
-        <p:fade/>
-      </p:transition>
+    <mc:Fallback>
+      <p:transition/>
     </mc:Fallback>
   </mc:AlternateContent>
   <p:timing>
@@ -6207,7 +6159,7 @@
                             </p:stCondLst>
                             <p:childTnLst>
                               <p:par>
-                                <p:cTn id="5" presetID="53" presetClass="entr" presetSubtype="16" fill="hold" nodeType="clickEffect">
+                                <p:cTn id="5" presetID="42" presetClass="entr" presetSubtype="0" fill="hold" grpId="0" nodeType="clickEffect">
                                   <p:stCondLst>
                                     <p:cond delay="0"/>
                                   </p:stCondLst>
@@ -6220,7 +6172,11 @@
                                           </p:stCondLst>
                                         </p:cTn>
                                         <p:tgtEl>
-                                          <p:spTgt spid="7"/>
+                                          <p:spTgt spid="3">
+                                            <p:txEl>
+                                              <p:pRg st="0" end="0"/>
+                                            </p:txEl>
+                                          </p:spTgt>
                                         </p:tgtEl>
                                         <p:attrNameLst>
                                           <p:attrName>style.visibility</p:attrName>
@@ -6230,60 +6186,153 @@
                                         <p:strVal val="visible"/>
                                       </p:to>
                                     </p:set>
+                                    <p:animEffect transition="in" filter="fade">
+                                      <p:cBhvr>
+                                        <p:cTn id="7" dur="1000"/>
+                                        <p:tgtEl>
+                                          <p:spTgt spid="3">
+                                            <p:txEl>
+                                              <p:pRg st="0" end="0"/>
+                                            </p:txEl>
+                                          </p:spTgt>
+                                        </p:tgtEl>
+                                      </p:cBhvr>
+                                    </p:animEffect>
                                     <p:anim calcmode="lin" valueType="num">
                                       <p:cBhvr>
-                                        <p:cTn id="7" dur="500" fill="hold"/>
-                                        <p:tgtEl>
-                                          <p:spTgt spid="7"/>
+                                        <p:cTn id="8" dur="1000" fill="hold"/>
+                                        <p:tgtEl>
+                                          <p:spTgt spid="3">
+                                            <p:txEl>
+                                              <p:pRg st="0" end="0"/>
+                                            </p:txEl>
+                                          </p:spTgt>
                                         </p:tgtEl>
                                         <p:attrNameLst>
-                                          <p:attrName>ppt_w</p:attrName>
+                                          <p:attrName>ppt_x</p:attrName>
                                         </p:attrNameLst>
                                       </p:cBhvr>
                                       <p:tavLst>
                                         <p:tav tm="0">
                                           <p:val>
-                                            <p:fltVal val="0"/>
+                                            <p:strVal val="#ppt_x"/>
                                           </p:val>
                                         </p:tav>
                                         <p:tav tm="100000">
                                           <p:val>
-                                            <p:strVal val="#ppt_w"/>
+                                            <p:strVal val="#ppt_x"/>
                                           </p:val>
                                         </p:tav>
                                       </p:tavLst>
                                     </p:anim>
                                     <p:anim calcmode="lin" valueType="num">
                                       <p:cBhvr>
-                                        <p:cTn id="8" dur="500" fill="hold"/>
-                                        <p:tgtEl>
-                                          <p:spTgt spid="7"/>
+                                        <p:cTn id="9" dur="1000" fill="hold"/>
+                                        <p:tgtEl>
+                                          <p:spTgt spid="3">
+                                            <p:txEl>
+                                              <p:pRg st="0" end="0"/>
+                                            </p:txEl>
+                                          </p:spTgt>
                                         </p:tgtEl>
                                         <p:attrNameLst>
-                                          <p:attrName>ppt_h</p:attrName>
+                                          <p:attrName>ppt_y</p:attrName>
                                         </p:attrNameLst>
                                       </p:cBhvr>
                                       <p:tavLst>
                                         <p:tav tm="0">
                                           <p:val>
-                                            <p:fltVal val="0"/>
+                                            <p:strVal val="#ppt_y+.1"/>
                                           </p:val>
                                         </p:tav>
                                         <p:tav tm="100000">
                                           <p:val>
-                                            <p:strVal val="#ppt_h"/>
+                                            <p:strVal val="#ppt_y"/>
                                           </p:val>
                                         </p:tav>
                                       </p:tavLst>
                                     </p:anim>
+                                  </p:childTnLst>
+                                </p:cTn>
+                              </p:par>
+                              <p:par>
+                                <p:cTn id="10" presetID="42" presetClass="entr" presetSubtype="0" fill="hold" nodeType="withEffect">
+                                  <p:stCondLst>
+                                    <p:cond delay="0"/>
+                                  </p:stCondLst>
+                                  <p:childTnLst>
+                                    <p:set>
+                                      <p:cBhvr>
+                                        <p:cTn id="11" dur="1" fill="hold">
+                                          <p:stCondLst>
+                                            <p:cond delay="0"/>
+                                          </p:stCondLst>
+                                        </p:cTn>
+                                        <p:tgtEl>
+                                          <p:spTgt spid="7"/>
+                                        </p:tgtEl>
+                                        <p:attrNameLst>
+                                          <p:attrName>style.visibility</p:attrName>
+                                        </p:attrNameLst>
+                                      </p:cBhvr>
+                                      <p:to>
+                                        <p:strVal val="visible"/>
+                                      </p:to>
+                                    </p:set>
                                     <p:animEffect transition="in" filter="fade">
                                       <p:cBhvr>
-                                        <p:cTn id="9" dur="500"/>
+                                        <p:cTn id="12" dur="1000"/>
                                         <p:tgtEl>
                                           <p:spTgt spid="7"/>
                                         </p:tgtEl>
                                       </p:cBhvr>
                                     </p:animEffect>
+                                    <p:anim calcmode="lin" valueType="num">
+                                      <p:cBhvr>
+                                        <p:cTn id="13" dur="1000" fill="hold"/>
+                                        <p:tgtEl>
+                                          <p:spTgt spid="7"/>
+                                        </p:tgtEl>
+                                        <p:attrNameLst>
+                                          <p:attrName>ppt_x</p:attrName>
+                                        </p:attrNameLst>
+                                      </p:cBhvr>
+                                      <p:tavLst>
+                                        <p:tav tm="0">
+                                          <p:val>
+                                            <p:strVal val="#ppt_x"/>
+                                          </p:val>
+                                        </p:tav>
+                                        <p:tav tm="100000">
+                                          <p:val>
+                                            <p:strVal val="#ppt_x"/>
+                                          </p:val>
+                                        </p:tav>
+                                      </p:tavLst>
+                                    </p:anim>
+                                    <p:anim calcmode="lin" valueType="num">
+                                      <p:cBhvr>
+                                        <p:cTn id="14" dur="1000" fill="hold"/>
+                                        <p:tgtEl>
+                                          <p:spTgt spid="7"/>
+                                        </p:tgtEl>
+                                        <p:attrNameLst>
+                                          <p:attrName>ppt_y</p:attrName>
+                                        </p:attrNameLst>
+                                      </p:cBhvr>
+                                      <p:tavLst>
+                                        <p:tav tm="0">
+                                          <p:val>
+                                            <p:strVal val="#ppt_y+.1"/>
+                                          </p:val>
+                                        </p:tav>
+                                        <p:tav tm="100000">
+                                          <p:val>
+                                            <p:strVal val="#ppt_y"/>
+                                          </p:val>
+                                        </p:tav>
+                                      </p:tavLst>
+                                    </p:anim>
                                   </p:childTnLst>
                                 </p:cTn>
                               </p:par>
@@ -6294,32 +6343,32 @@
                     </p:cTn>
                   </p:par>
                   <p:par>
-                    <p:cTn id="10" fill="hold">
+                    <p:cTn id="15" fill="hold">
                       <p:stCondLst>
                         <p:cond delay="indefinite"/>
                       </p:stCondLst>
                       <p:childTnLst>
                         <p:par>
-                          <p:cTn id="11" fill="hold">
+                          <p:cTn id="16" fill="hold">
                             <p:stCondLst>
                               <p:cond delay="0"/>
                             </p:stCondLst>
                             <p:childTnLst>
                               <p:par>
-                                <p:cTn id="12" presetID="53" presetClass="entr" presetSubtype="16" fill="hold" nodeType="clickEffect">
+                                <p:cTn id="17" presetID="42" presetClass="entr" presetSubtype="0" fill="hold" grpId="0" nodeType="clickEffect">
                                   <p:stCondLst>
                                     <p:cond delay="0"/>
                                   </p:stCondLst>
                                   <p:childTnLst>
                                     <p:set>
                                       <p:cBhvr>
-                                        <p:cTn id="13" dur="1" fill="hold">
+                                        <p:cTn id="18" dur="1" fill="hold">
                                           <p:stCondLst>
                                             <p:cond delay="0"/>
                                           </p:stCondLst>
                                         </p:cTn>
                                         <p:tgtEl>
-                                          <p:spTgt spid="8"/>
+                                          <p:spTgt spid="9"/>
                                         </p:tgtEl>
                                         <p:attrNameLst>
                                           <p:attrName>style.visibility</p:attrName>
@@ -6329,60 +6378,141 @@
                                         <p:strVal val="visible"/>
                                       </p:to>
                                     </p:set>
+                                    <p:animEffect transition="in" filter="fade">
+                                      <p:cBhvr>
+                                        <p:cTn id="19" dur="1000"/>
+                                        <p:tgtEl>
+                                          <p:spTgt spid="9"/>
+                                        </p:tgtEl>
+                                      </p:cBhvr>
+                                    </p:animEffect>
                                     <p:anim calcmode="lin" valueType="num">
                                       <p:cBhvr>
-                                        <p:cTn id="14" dur="500" fill="hold"/>
-                                        <p:tgtEl>
-                                          <p:spTgt spid="8"/>
+                                        <p:cTn id="20" dur="1000" fill="hold"/>
+                                        <p:tgtEl>
+                                          <p:spTgt spid="9"/>
                                         </p:tgtEl>
                                         <p:attrNameLst>
-                                          <p:attrName>ppt_w</p:attrName>
+                                          <p:attrName>ppt_x</p:attrName>
                                         </p:attrNameLst>
                                       </p:cBhvr>
                                       <p:tavLst>
                                         <p:tav tm="0">
                                           <p:val>
-                                            <p:fltVal val="0"/>
+                                            <p:strVal val="#ppt_x"/>
                                           </p:val>
                                         </p:tav>
                                         <p:tav tm="100000">
                                           <p:val>
-                                            <p:strVal val="#ppt_w"/>
+                                            <p:strVal val="#ppt_x"/>
                                           </p:val>
                                         </p:tav>
                                       </p:tavLst>
                                     </p:anim>
                                     <p:anim calcmode="lin" valueType="num">
                                       <p:cBhvr>
-                                        <p:cTn id="15" dur="500" fill="hold"/>
-                                        <p:tgtEl>
-                                          <p:spTgt spid="8"/>
+                                        <p:cTn id="21" dur="1000" fill="hold"/>
+                                        <p:tgtEl>
+                                          <p:spTgt spid="9"/>
                                         </p:tgtEl>
                                         <p:attrNameLst>
-                                          <p:attrName>ppt_h</p:attrName>
+                                          <p:attrName>ppt_y</p:attrName>
                                         </p:attrNameLst>
                                       </p:cBhvr>
                                       <p:tavLst>
                                         <p:tav tm="0">
                                           <p:val>
-                                            <p:fltVal val="0"/>
+                                            <p:strVal val="#ppt_y+.1"/>
                                           </p:val>
                                         </p:tav>
                                         <p:tav tm="100000">
                                           <p:val>
-                                            <p:strVal val="#ppt_h"/>
+                                            <p:strVal val="#ppt_y"/>
                                           </p:val>
                                         </p:tav>
                                       </p:tavLst>
                                     </p:anim>
+                                  </p:childTnLst>
+                                </p:cTn>
+                              </p:par>
+                              <p:par>
+                                <p:cTn id="22" presetID="42" presetClass="entr" presetSubtype="0" fill="hold" nodeType="withEffect">
+                                  <p:stCondLst>
+                                    <p:cond delay="0"/>
+                                  </p:stCondLst>
+                                  <p:childTnLst>
+                                    <p:set>
+                                      <p:cBhvr>
+                                        <p:cTn id="23" dur="1" fill="hold">
+                                          <p:stCondLst>
+                                            <p:cond delay="0"/>
+                                          </p:stCondLst>
+                                        </p:cTn>
+                                        <p:tgtEl>
+                                          <p:spTgt spid="8"/>
+                                        </p:tgtEl>
+                                        <p:attrNameLst>
+                                          <p:attrName>style.visibility</p:attrName>
+                                        </p:attrNameLst>
+                                      </p:cBhvr>
+                                      <p:to>
+                                        <p:strVal val="visible"/>
+                                      </p:to>
+                                    </p:set>
                                     <p:animEffect transition="in" filter="fade">
                                       <p:cBhvr>
-                                        <p:cTn id="16" dur="500"/>
+                                        <p:cTn id="24" dur="1000"/>
                                         <p:tgtEl>
                                           <p:spTgt spid="8"/>
                                         </p:tgtEl>
                                       </p:cBhvr>
                                     </p:animEffect>
+                                    <p:anim calcmode="lin" valueType="num">
+                                      <p:cBhvr>
+                                        <p:cTn id="25" dur="1000" fill="hold"/>
+                                        <p:tgtEl>
+                                          <p:spTgt spid="8"/>
+                                        </p:tgtEl>
+                                        <p:attrNameLst>
+                                          <p:attrName>ppt_x</p:attrName>
+                                        </p:attrNameLst>
+                                      </p:cBhvr>
+                                      <p:tavLst>
+                                        <p:tav tm="0">
+                                          <p:val>
+                                            <p:strVal val="#ppt_x"/>
+                                          </p:val>
+                                        </p:tav>
+                                        <p:tav tm="100000">
+                                          <p:val>
+                                            <p:strVal val="#ppt_x"/>
+                                          </p:val>
+                                        </p:tav>
+                                      </p:tavLst>
+                                    </p:anim>
+                                    <p:anim calcmode="lin" valueType="num">
+                                      <p:cBhvr>
+                                        <p:cTn id="26" dur="1000" fill="hold"/>
+                                        <p:tgtEl>
+                                          <p:spTgt spid="8"/>
+                                        </p:tgtEl>
+                                        <p:attrNameLst>
+                                          <p:attrName>ppt_y</p:attrName>
+                                        </p:attrNameLst>
+                                      </p:cBhvr>
+                                      <p:tavLst>
+                                        <p:tav tm="0">
+                                          <p:val>
+                                            <p:strVal val="#ppt_y+.1"/>
+                                          </p:val>
+                                        </p:tav>
+                                        <p:tav tm="100000">
+                                          <p:val>
+                                            <p:strVal val="#ppt_y"/>
+                                          </p:val>
+                                        </p:tav>
+                                      </p:tavLst>
+                                    </p:anim>
                                   </p:childTnLst>
                                 </p:cTn>
                               </p:par>
@@ -6413,6 +6543,10 @@
         </p:cTn>
       </p:par>
     </p:tnLst>
+    <p:bldLst>
+      <p:bldP spid="3" grpId="0" build="p"/>
+      <p:bldP spid="9" grpId="0"/>
+    </p:bldLst>
   </p:timing>
 </p:sld>
 </file>
@@ -9667,7 +9801,7 @@
                             </p:stCondLst>
                             <p:childTnLst>
                               <p:par>
-                                <p:cTn id="5" presetID="31" presetClass="entr" presetSubtype="0" fill="hold" nodeType="clickEffect">
+                                <p:cTn id="5" presetID="42" presetClass="entr" presetSubtype="0" fill="hold" nodeType="clickEffect">
                                   <p:stCondLst>
                                     <p:cond delay="0"/>
                                   </p:stCondLst>
@@ -9680,7 +9814,11 @@
                                           </p:stCondLst>
                                         </p:cTn>
                                         <p:tgtEl>
-                                          <p:spTgt spid="4"/>
+                                          <p:spTgt spid="3">
+                                            <p:txEl>
+                                              <p:pRg st="0" end="0"/>
+                                            </p:txEl>
+                                          </p:spTgt>
                                         </p:tgtEl>
                                         <p:attrNameLst>
                                           <p:attrName>style.visibility</p:attrName>
@@ -9690,83 +9828,825 @@
                                         <p:strVal val="visible"/>
                                       </p:to>
                                     </p:set>
+                                    <p:animEffect transition="in" filter="fade">
+                                      <p:cBhvr>
+                                        <p:cTn id="7" dur="1000"/>
+                                        <p:tgtEl>
+                                          <p:spTgt spid="3">
+                                            <p:txEl>
+                                              <p:pRg st="0" end="0"/>
+                                            </p:txEl>
+                                          </p:spTgt>
+                                        </p:tgtEl>
+                                      </p:cBhvr>
+                                    </p:animEffect>
                                     <p:anim calcmode="lin" valueType="num">
                                       <p:cBhvr>
-                                        <p:cTn id="7" dur="1000" fill="hold"/>
-                                        <p:tgtEl>
-                                          <p:spTgt spid="4"/>
+                                        <p:cTn id="8" dur="1000" fill="hold"/>
+                                        <p:tgtEl>
+                                          <p:spTgt spid="3">
+                                            <p:txEl>
+                                              <p:pRg st="0" end="0"/>
+                                            </p:txEl>
+                                          </p:spTgt>
                                         </p:tgtEl>
                                         <p:attrNameLst>
-                                          <p:attrName>ppt_w</p:attrName>
+                                          <p:attrName>ppt_x</p:attrName>
                                         </p:attrNameLst>
                                       </p:cBhvr>
                                       <p:tavLst>
                                         <p:tav tm="0">
                                           <p:val>
-                                            <p:fltVal val="0"/>
+                                            <p:strVal val="#ppt_x"/>
                                           </p:val>
                                         </p:tav>
                                         <p:tav tm="100000">
                                           <p:val>
-                                            <p:strVal val="#ppt_w"/>
+                                            <p:strVal val="#ppt_x"/>
                                           </p:val>
                                         </p:tav>
                                       </p:tavLst>
                                     </p:anim>
                                     <p:anim calcmode="lin" valueType="num">
                                       <p:cBhvr>
-                                        <p:cTn id="8" dur="1000" fill="hold"/>
-                                        <p:tgtEl>
-                                          <p:spTgt spid="4"/>
+                                        <p:cTn id="9" dur="1000" fill="hold"/>
+                                        <p:tgtEl>
+                                          <p:spTgt spid="3">
+                                            <p:txEl>
+                                              <p:pRg st="0" end="0"/>
+                                            </p:txEl>
+                                          </p:spTgt>
                                         </p:tgtEl>
                                         <p:attrNameLst>
-                                          <p:attrName>ppt_h</p:attrName>
+                                          <p:attrName>ppt_y</p:attrName>
                                         </p:attrNameLst>
                                       </p:cBhvr>
                                       <p:tavLst>
                                         <p:tav tm="0">
                                           <p:val>
-                                            <p:fltVal val="0"/>
+                                            <p:strVal val="#ppt_y+.1"/>
                                           </p:val>
                                         </p:tav>
                                         <p:tav tm="100000">
                                           <p:val>
-                                            <p:strVal val="#ppt_h"/>
+                                            <p:strVal val="#ppt_y"/>
+                                          </p:val>
+                                        </p:tav>
+                                      </p:tavLst>
+                                    </p:anim>
+                                  </p:childTnLst>
+                                </p:cTn>
+                              </p:par>
+                            </p:childTnLst>
+                          </p:cTn>
+                        </p:par>
+                      </p:childTnLst>
+                    </p:cTn>
+                  </p:par>
+                  <p:par>
+                    <p:cTn id="10" fill="hold">
+                      <p:stCondLst>
+                        <p:cond delay="indefinite"/>
+                      </p:stCondLst>
+                      <p:childTnLst>
+                        <p:par>
+                          <p:cTn id="11" fill="hold">
+                            <p:stCondLst>
+                              <p:cond delay="0"/>
+                            </p:stCondLst>
+                            <p:childTnLst>
+                              <p:par>
+                                <p:cTn id="12" presetID="42" presetClass="entr" presetSubtype="0" fill="hold" nodeType="clickEffect">
+                                  <p:stCondLst>
+                                    <p:cond delay="0"/>
+                                  </p:stCondLst>
+                                  <p:childTnLst>
+                                    <p:set>
+                                      <p:cBhvr>
+                                        <p:cTn id="13" dur="1" fill="hold">
+                                          <p:stCondLst>
+                                            <p:cond delay="0"/>
+                                          </p:stCondLst>
+                                        </p:cTn>
+                                        <p:tgtEl>
+                                          <p:spTgt spid="3">
+                                            <p:txEl>
+                                              <p:pRg st="1" end="1"/>
+                                            </p:txEl>
+                                          </p:spTgt>
+                                        </p:tgtEl>
+                                        <p:attrNameLst>
+                                          <p:attrName>style.visibility</p:attrName>
+                                        </p:attrNameLst>
+                                      </p:cBhvr>
+                                      <p:to>
+                                        <p:strVal val="visible"/>
+                                      </p:to>
+                                    </p:set>
+                                    <p:animEffect transition="in" filter="fade">
+                                      <p:cBhvr>
+                                        <p:cTn id="14" dur="1000"/>
+                                        <p:tgtEl>
+                                          <p:spTgt spid="3">
+                                            <p:txEl>
+                                              <p:pRg st="1" end="1"/>
+                                            </p:txEl>
+                                          </p:spTgt>
+                                        </p:tgtEl>
+                                      </p:cBhvr>
+                                    </p:animEffect>
+                                    <p:anim calcmode="lin" valueType="num">
+                                      <p:cBhvr>
+                                        <p:cTn id="15" dur="1000" fill="hold"/>
+                                        <p:tgtEl>
+                                          <p:spTgt spid="3">
+                                            <p:txEl>
+                                              <p:pRg st="1" end="1"/>
+                                            </p:txEl>
+                                          </p:spTgt>
+                                        </p:tgtEl>
+                                        <p:attrNameLst>
+                                          <p:attrName>ppt_x</p:attrName>
+                                        </p:attrNameLst>
+                                      </p:cBhvr>
+                                      <p:tavLst>
+                                        <p:tav tm="0">
+                                          <p:val>
+                                            <p:strVal val="#ppt_x"/>
+                                          </p:val>
+                                        </p:tav>
+                                        <p:tav tm="100000">
+                                          <p:val>
+                                            <p:strVal val="#ppt_x"/>
                                           </p:val>
                                         </p:tav>
                                       </p:tavLst>
                                     </p:anim>
                                     <p:anim calcmode="lin" valueType="num">
                                       <p:cBhvr>
-                                        <p:cTn id="9" dur="1000" fill="hold"/>
-                                        <p:tgtEl>
-                                          <p:spTgt spid="4"/>
+                                        <p:cTn id="16" dur="1000" fill="hold"/>
+                                        <p:tgtEl>
+                                          <p:spTgt spid="3">
+                                            <p:txEl>
+                                              <p:pRg st="1" end="1"/>
+                                            </p:txEl>
+                                          </p:spTgt>
                                         </p:tgtEl>
                                         <p:attrNameLst>
-                                          <p:attrName>style.rotation</p:attrName>
+                                          <p:attrName>ppt_y</p:attrName>
                                         </p:attrNameLst>
                                       </p:cBhvr>
                                       <p:tavLst>
                                         <p:tav tm="0">
                                           <p:val>
-                                            <p:fltVal val="90"/>
+                                            <p:strVal val="#ppt_y+.1"/>
                                           </p:val>
                                         </p:tav>
                                         <p:tav tm="100000">
                                           <p:val>
-                                            <p:fltVal val="0"/>
+                                            <p:strVal val="#ppt_y"/>
                                           </p:val>
                                         </p:tav>
                                       </p:tavLst>
                                     </p:anim>
+                                  </p:childTnLst>
+                                </p:cTn>
+                              </p:par>
+                            </p:childTnLst>
+                          </p:cTn>
+                        </p:par>
+                      </p:childTnLst>
+                    </p:cTn>
+                  </p:par>
+                  <p:par>
+                    <p:cTn id="17" fill="hold">
+                      <p:stCondLst>
+                        <p:cond delay="indefinite"/>
+                      </p:stCondLst>
+                      <p:childTnLst>
+                        <p:par>
+                          <p:cTn id="18" fill="hold">
+                            <p:stCondLst>
+                              <p:cond delay="0"/>
+                            </p:stCondLst>
+                            <p:childTnLst>
+                              <p:par>
+                                <p:cTn id="19" presetID="42" presetClass="entr" presetSubtype="0" fill="hold" nodeType="clickEffect">
+                                  <p:stCondLst>
+                                    <p:cond delay="0"/>
+                                  </p:stCondLst>
+                                  <p:childTnLst>
+                                    <p:set>
+                                      <p:cBhvr>
+                                        <p:cTn id="20" dur="1" fill="hold">
+                                          <p:stCondLst>
+                                            <p:cond delay="0"/>
+                                          </p:stCondLst>
+                                        </p:cTn>
+                                        <p:tgtEl>
+                                          <p:spTgt spid="3">
+                                            <p:txEl>
+                                              <p:pRg st="2" end="2"/>
+                                            </p:txEl>
+                                          </p:spTgt>
+                                        </p:tgtEl>
+                                        <p:attrNameLst>
+                                          <p:attrName>style.visibility</p:attrName>
+                                        </p:attrNameLst>
+                                      </p:cBhvr>
+                                      <p:to>
+                                        <p:strVal val="visible"/>
+                                      </p:to>
+                                    </p:set>
                                     <p:animEffect transition="in" filter="fade">
                                       <p:cBhvr>
-                                        <p:cTn id="10" dur="1000"/>
+                                        <p:cTn id="21" dur="1000"/>
+                                        <p:tgtEl>
+                                          <p:spTgt spid="3">
+                                            <p:txEl>
+                                              <p:pRg st="2" end="2"/>
+                                            </p:txEl>
+                                          </p:spTgt>
+                                        </p:tgtEl>
+                                      </p:cBhvr>
+                                    </p:animEffect>
+                                    <p:anim calcmode="lin" valueType="num">
+                                      <p:cBhvr>
+                                        <p:cTn id="22" dur="1000" fill="hold"/>
+                                        <p:tgtEl>
+                                          <p:spTgt spid="3">
+                                            <p:txEl>
+                                              <p:pRg st="2" end="2"/>
+                                            </p:txEl>
+                                          </p:spTgt>
+                                        </p:tgtEl>
+                                        <p:attrNameLst>
+                                          <p:attrName>ppt_x</p:attrName>
+                                        </p:attrNameLst>
+                                      </p:cBhvr>
+                                      <p:tavLst>
+                                        <p:tav tm="0">
+                                          <p:val>
+                                            <p:strVal val="#ppt_x"/>
+                                          </p:val>
+                                        </p:tav>
+                                        <p:tav tm="100000">
+                                          <p:val>
+                                            <p:strVal val="#ppt_x"/>
+                                          </p:val>
+                                        </p:tav>
+                                      </p:tavLst>
+                                    </p:anim>
+                                    <p:anim calcmode="lin" valueType="num">
+                                      <p:cBhvr>
+                                        <p:cTn id="23" dur="1000" fill="hold"/>
+                                        <p:tgtEl>
+                                          <p:spTgt spid="3">
+                                            <p:txEl>
+                                              <p:pRg st="2" end="2"/>
+                                            </p:txEl>
+                                          </p:spTgt>
+                                        </p:tgtEl>
+                                        <p:attrNameLst>
+                                          <p:attrName>ppt_y</p:attrName>
+                                        </p:attrNameLst>
+                                      </p:cBhvr>
+                                      <p:tavLst>
+                                        <p:tav tm="0">
+                                          <p:val>
+                                            <p:strVal val="#ppt_y+.1"/>
+                                          </p:val>
+                                        </p:tav>
+                                        <p:tav tm="100000">
+                                          <p:val>
+                                            <p:strVal val="#ppt_y"/>
+                                          </p:val>
+                                        </p:tav>
+                                      </p:tavLst>
+                                    </p:anim>
+                                  </p:childTnLst>
+                                </p:cTn>
+                              </p:par>
+                            </p:childTnLst>
+                          </p:cTn>
+                        </p:par>
+                      </p:childTnLst>
+                    </p:cTn>
+                  </p:par>
+                  <p:par>
+                    <p:cTn id="24" fill="hold">
+                      <p:stCondLst>
+                        <p:cond delay="indefinite"/>
+                      </p:stCondLst>
+                      <p:childTnLst>
+                        <p:par>
+                          <p:cTn id="25" fill="hold">
+                            <p:stCondLst>
+                              <p:cond delay="0"/>
+                            </p:stCondLst>
+                            <p:childTnLst>
+                              <p:par>
+                                <p:cTn id="26" presetID="42" presetClass="entr" presetSubtype="0" fill="hold" nodeType="clickEffect">
+                                  <p:stCondLst>
+                                    <p:cond delay="0"/>
+                                  </p:stCondLst>
+                                  <p:childTnLst>
+                                    <p:set>
+                                      <p:cBhvr>
+                                        <p:cTn id="27" dur="1" fill="hold">
+                                          <p:stCondLst>
+                                            <p:cond delay="0"/>
+                                          </p:stCondLst>
+                                        </p:cTn>
+                                        <p:tgtEl>
+                                          <p:spTgt spid="3">
+                                            <p:txEl>
+                                              <p:pRg st="3" end="3"/>
+                                            </p:txEl>
+                                          </p:spTgt>
+                                        </p:tgtEl>
+                                        <p:attrNameLst>
+                                          <p:attrName>style.visibility</p:attrName>
+                                        </p:attrNameLst>
+                                      </p:cBhvr>
+                                      <p:to>
+                                        <p:strVal val="visible"/>
+                                      </p:to>
+                                    </p:set>
+                                    <p:animEffect transition="in" filter="fade">
+                                      <p:cBhvr>
+                                        <p:cTn id="28" dur="1000"/>
+                                        <p:tgtEl>
+                                          <p:spTgt spid="3">
+                                            <p:txEl>
+                                              <p:pRg st="3" end="3"/>
+                                            </p:txEl>
+                                          </p:spTgt>
+                                        </p:tgtEl>
+                                      </p:cBhvr>
+                                    </p:animEffect>
+                                    <p:anim calcmode="lin" valueType="num">
+                                      <p:cBhvr>
+                                        <p:cTn id="29" dur="1000" fill="hold"/>
+                                        <p:tgtEl>
+                                          <p:spTgt spid="3">
+                                            <p:txEl>
+                                              <p:pRg st="3" end="3"/>
+                                            </p:txEl>
+                                          </p:spTgt>
+                                        </p:tgtEl>
+                                        <p:attrNameLst>
+                                          <p:attrName>ppt_x</p:attrName>
+                                        </p:attrNameLst>
+                                      </p:cBhvr>
+                                      <p:tavLst>
+                                        <p:tav tm="0">
+                                          <p:val>
+                                            <p:strVal val="#ppt_x"/>
+                                          </p:val>
+                                        </p:tav>
+                                        <p:tav tm="100000">
+                                          <p:val>
+                                            <p:strVal val="#ppt_x"/>
+                                          </p:val>
+                                        </p:tav>
+                                      </p:tavLst>
+                                    </p:anim>
+                                    <p:anim calcmode="lin" valueType="num">
+                                      <p:cBhvr>
+                                        <p:cTn id="30" dur="1000" fill="hold"/>
+                                        <p:tgtEl>
+                                          <p:spTgt spid="3">
+                                            <p:txEl>
+                                              <p:pRg st="3" end="3"/>
+                                            </p:txEl>
+                                          </p:spTgt>
+                                        </p:tgtEl>
+                                        <p:attrNameLst>
+                                          <p:attrName>ppt_y</p:attrName>
+                                        </p:attrNameLst>
+                                      </p:cBhvr>
+                                      <p:tavLst>
+                                        <p:tav tm="0">
+                                          <p:val>
+                                            <p:strVal val="#ppt_y+.1"/>
+                                          </p:val>
+                                        </p:tav>
+                                        <p:tav tm="100000">
+                                          <p:val>
+                                            <p:strVal val="#ppt_y"/>
+                                          </p:val>
+                                        </p:tav>
+                                      </p:tavLst>
+                                    </p:anim>
+                                  </p:childTnLst>
+                                </p:cTn>
+                              </p:par>
+                            </p:childTnLst>
+                          </p:cTn>
+                        </p:par>
+                      </p:childTnLst>
+                    </p:cTn>
+                  </p:par>
+                  <p:par>
+                    <p:cTn id="31" fill="hold">
+                      <p:stCondLst>
+                        <p:cond delay="indefinite"/>
+                      </p:stCondLst>
+                      <p:childTnLst>
+                        <p:par>
+                          <p:cTn id="32" fill="hold">
+                            <p:stCondLst>
+                              <p:cond delay="0"/>
+                            </p:stCondLst>
+                            <p:childTnLst>
+                              <p:par>
+                                <p:cTn id="33" presetID="42" presetClass="entr" presetSubtype="0" fill="hold" nodeType="clickEffect">
+                                  <p:stCondLst>
+                                    <p:cond delay="0"/>
+                                  </p:stCondLst>
+                                  <p:childTnLst>
+                                    <p:set>
+                                      <p:cBhvr>
+                                        <p:cTn id="34" dur="1" fill="hold">
+                                          <p:stCondLst>
+                                            <p:cond delay="0"/>
+                                          </p:stCondLst>
+                                        </p:cTn>
                                         <p:tgtEl>
                                           <p:spTgt spid="4"/>
                                         </p:tgtEl>
+                                        <p:attrNameLst>
+                                          <p:attrName>style.visibility</p:attrName>
+                                        </p:attrNameLst>
+                                      </p:cBhvr>
+                                      <p:to>
+                                        <p:strVal val="visible"/>
+                                      </p:to>
+                                    </p:set>
+                                    <p:animEffect transition="in" filter="fade">
+                                      <p:cBhvr>
+                                        <p:cTn id="35" dur="1000"/>
+                                        <p:tgtEl>
+                                          <p:spTgt spid="4"/>
+                                        </p:tgtEl>
                                       </p:cBhvr>
                                     </p:animEffect>
+                                    <p:anim calcmode="lin" valueType="num">
+                                      <p:cBhvr>
+                                        <p:cTn id="36" dur="1000" fill="hold"/>
+                                        <p:tgtEl>
+                                          <p:spTgt spid="4"/>
+                                        </p:tgtEl>
+                                        <p:attrNameLst>
+                                          <p:attrName>ppt_x</p:attrName>
+                                        </p:attrNameLst>
+                                      </p:cBhvr>
+                                      <p:tavLst>
+                                        <p:tav tm="0">
+                                          <p:val>
+                                            <p:strVal val="#ppt_x"/>
+                                          </p:val>
+                                        </p:tav>
+                                        <p:tav tm="100000">
+                                          <p:val>
+                                            <p:strVal val="#ppt_x"/>
+                                          </p:val>
+                                        </p:tav>
+                                      </p:tavLst>
+                                    </p:anim>
+                                    <p:anim calcmode="lin" valueType="num">
+                                      <p:cBhvr>
+                                        <p:cTn id="37" dur="1000" fill="hold"/>
+                                        <p:tgtEl>
+                                          <p:spTgt spid="4"/>
+                                        </p:tgtEl>
+                                        <p:attrNameLst>
+                                          <p:attrName>ppt_y</p:attrName>
+                                        </p:attrNameLst>
+                                      </p:cBhvr>
+                                      <p:tavLst>
+                                        <p:tav tm="0">
+                                          <p:val>
+                                            <p:strVal val="#ppt_y+.1"/>
+                                          </p:val>
+                                        </p:tav>
+                                        <p:tav tm="100000">
+                                          <p:val>
+                                            <p:strVal val="#ppt_y"/>
+                                          </p:val>
+                                        </p:tav>
+                                      </p:tavLst>
+                                    </p:anim>
+                                  </p:childTnLst>
+                                </p:cTn>
+                              </p:par>
+                            </p:childTnLst>
+                          </p:cTn>
+                        </p:par>
+                      </p:childTnLst>
+                    </p:cTn>
+                  </p:par>
+                  <p:par>
+                    <p:cTn id="38" fill="hold">
+                      <p:stCondLst>
+                        <p:cond delay="indefinite"/>
+                      </p:stCondLst>
+                      <p:childTnLst>
+                        <p:par>
+                          <p:cTn id="39" fill="hold">
+                            <p:stCondLst>
+                              <p:cond delay="0"/>
+                            </p:stCondLst>
+                            <p:childTnLst>
+                              <p:par>
+                                <p:cTn id="40" presetID="42" presetClass="entr" presetSubtype="0" fill="hold" nodeType="clickEffect">
+                                  <p:stCondLst>
+                                    <p:cond delay="0"/>
+                                  </p:stCondLst>
+                                  <p:childTnLst>
+                                    <p:set>
+                                      <p:cBhvr>
+                                        <p:cTn id="41" dur="1" fill="hold">
+                                          <p:stCondLst>
+                                            <p:cond delay="0"/>
+                                          </p:stCondLst>
+                                        </p:cTn>
+                                        <p:tgtEl>
+                                          <p:spTgt spid="3">
+                                            <p:txEl>
+                                              <p:pRg st="6" end="6"/>
+                                            </p:txEl>
+                                          </p:spTgt>
+                                        </p:tgtEl>
+                                        <p:attrNameLst>
+                                          <p:attrName>style.visibility</p:attrName>
+                                        </p:attrNameLst>
+                                      </p:cBhvr>
+                                      <p:to>
+                                        <p:strVal val="visible"/>
+                                      </p:to>
+                                    </p:set>
+                                    <p:animEffect transition="in" filter="fade">
+                                      <p:cBhvr>
+                                        <p:cTn id="42" dur="1000"/>
+                                        <p:tgtEl>
+                                          <p:spTgt spid="3">
+                                            <p:txEl>
+                                              <p:pRg st="6" end="6"/>
+                                            </p:txEl>
+                                          </p:spTgt>
+                                        </p:tgtEl>
+                                      </p:cBhvr>
+                                    </p:animEffect>
+                                    <p:anim calcmode="lin" valueType="num">
+                                      <p:cBhvr>
+                                        <p:cTn id="43" dur="1000" fill="hold"/>
+                                        <p:tgtEl>
+                                          <p:spTgt spid="3">
+                                            <p:txEl>
+                                              <p:pRg st="6" end="6"/>
+                                            </p:txEl>
+                                          </p:spTgt>
+                                        </p:tgtEl>
+                                        <p:attrNameLst>
+                                          <p:attrName>ppt_x</p:attrName>
+                                        </p:attrNameLst>
+                                      </p:cBhvr>
+                                      <p:tavLst>
+                                        <p:tav tm="0">
+                                          <p:val>
+                                            <p:strVal val="#ppt_x"/>
+                                          </p:val>
+                                        </p:tav>
+                                        <p:tav tm="100000">
+                                          <p:val>
+                                            <p:strVal val="#ppt_x"/>
+                                          </p:val>
+                                        </p:tav>
+                                      </p:tavLst>
+                                    </p:anim>
+                                    <p:anim calcmode="lin" valueType="num">
+                                      <p:cBhvr>
+                                        <p:cTn id="44" dur="1000" fill="hold"/>
+                                        <p:tgtEl>
+                                          <p:spTgt spid="3">
+                                            <p:txEl>
+                                              <p:pRg st="6" end="6"/>
+                                            </p:txEl>
+                                          </p:spTgt>
+                                        </p:tgtEl>
+                                        <p:attrNameLst>
+                                          <p:attrName>ppt_y</p:attrName>
+                                        </p:attrNameLst>
+                                      </p:cBhvr>
+                                      <p:tavLst>
+                                        <p:tav tm="0">
+                                          <p:val>
+                                            <p:strVal val="#ppt_y+.1"/>
+                                          </p:val>
+                                        </p:tav>
+                                        <p:tav tm="100000">
+                                          <p:val>
+                                            <p:strVal val="#ppt_y"/>
+                                          </p:val>
+                                        </p:tav>
+                                      </p:tavLst>
+                                    </p:anim>
+                                  </p:childTnLst>
+                                </p:cTn>
+                              </p:par>
+                              <p:par>
+                                <p:cTn id="45" presetID="42" presetClass="entr" presetSubtype="0" fill="hold" nodeType="withEffect">
+                                  <p:stCondLst>
+                                    <p:cond delay="0"/>
+                                  </p:stCondLst>
+                                  <p:childTnLst>
+                                    <p:set>
+                                      <p:cBhvr>
+                                        <p:cTn id="46" dur="1" fill="hold">
+                                          <p:stCondLst>
+                                            <p:cond delay="0"/>
+                                          </p:stCondLst>
+                                        </p:cTn>
+                                        <p:tgtEl>
+                                          <p:spTgt spid="3">
+                                            <p:txEl>
+                                              <p:pRg st="7" end="7"/>
+                                            </p:txEl>
+                                          </p:spTgt>
+                                        </p:tgtEl>
+                                        <p:attrNameLst>
+                                          <p:attrName>style.visibility</p:attrName>
+                                        </p:attrNameLst>
+                                      </p:cBhvr>
+                                      <p:to>
+                                        <p:strVal val="visible"/>
+                                      </p:to>
+                                    </p:set>
+                                    <p:animEffect transition="in" filter="fade">
+                                      <p:cBhvr>
+                                        <p:cTn id="47" dur="1000"/>
+                                        <p:tgtEl>
+                                          <p:spTgt spid="3">
+                                            <p:txEl>
+                                              <p:pRg st="7" end="7"/>
+                                            </p:txEl>
+                                          </p:spTgt>
+                                        </p:tgtEl>
+                                      </p:cBhvr>
+                                    </p:animEffect>
+                                    <p:anim calcmode="lin" valueType="num">
+                                      <p:cBhvr>
+                                        <p:cTn id="48" dur="1000" fill="hold"/>
+                                        <p:tgtEl>
+                                          <p:spTgt spid="3">
+                                            <p:txEl>
+                                              <p:pRg st="7" end="7"/>
+                                            </p:txEl>
+                                          </p:spTgt>
+                                        </p:tgtEl>
+                                        <p:attrNameLst>
+                                          <p:attrName>ppt_x</p:attrName>
+                                        </p:attrNameLst>
+                                      </p:cBhvr>
+                                      <p:tavLst>
+                                        <p:tav tm="0">
+                                          <p:val>
+                                            <p:strVal val="#ppt_x"/>
+                                          </p:val>
+                                        </p:tav>
+                                        <p:tav tm="100000">
+                                          <p:val>
+                                            <p:strVal val="#ppt_x"/>
+                                          </p:val>
+                                        </p:tav>
+                                      </p:tavLst>
+                                    </p:anim>
+                                    <p:anim calcmode="lin" valueType="num">
+                                      <p:cBhvr>
+                                        <p:cTn id="49" dur="1000" fill="hold"/>
+                                        <p:tgtEl>
+                                          <p:spTgt spid="3">
+                                            <p:txEl>
+                                              <p:pRg st="7" end="7"/>
+                                            </p:txEl>
+                                          </p:spTgt>
+                                        </p:tgtEl>
+                                        <p:attrNameLst>
+                                          <p:attrName>ppt_y</p:attrName>
+                                        </p:attrNameLst>
+                                      </p:cBhvr>
+                                      <p:tavLst>
+                                        <p:tav tm="0">
+                                          <p:val>
+                                            <p:strVal val="#ppt_y+.1"/>
+                                          </p:val>
+                                        </p:tav>
+                                        <p:tav tm="100000">
+                                          <p:val>
+                                            <p:strVal val="#ppt_y"/>
+                                          </p:val>
+                                        </p:tav>
+                                      </p:tavLst>
+                                    </p:anim>
+                                  </p:childTnLst>
+                                </p:cTn>
+                              </p:par>
+                              <p:par>
+                                <p:cTn id="50" presetID="42" presetClass="entr" presetSubtype="0" fill="hold" nodeType="withEffect">
+                                  <p:stCondLst>
+                                    <p:cond delay="0"/>
+                                  </p:stCondLst>
+                                  <p:childTnLst>
+                                    <p:set>
+                                      <p:cBhvr>
+                                        <p:cTn id="51" dur="1" fill="hold">
+                                          <p:stCondLst>
+                                            <p:cond delay="0"/>
+                                          </p:stCondLst>
+                                        </p:cTn>
+                                        <p:tgtEl>
+                                          <p:spTgt spid="3">
+                                            <p:txEl>
+                                              <p:pRg st="8" end="8"/>
+                                            </p:txEl>
+                                          </p:spTgt>
+                                        </p:tgtEl>
+                                        <p:attrNameLst>
+                                          <p:attrName>style.visibility</p:attrName>
+                                        </p:attrNameLst>
+                                      </p:cBhvr>
+                                      <p:to>
+                                        <p:strVal val="visible"/>
+                                      </p:to>
+                                    </p:set>
+                                    <p:animEffect transition="in" filter="fade">
+                                      <p:cBhvr>
+                                        <p:cTn id="52" dur="1000"/>
+                                        <p:tgtEl>
+                                          <p:spTgt spid="3">
+                                            <p:txEl>
+                                              <p:pRg st="8" end="8"/>
+                                            </p:txEl>
+                                          </p:spTgt>
+                                        </p:tgtEl>
+                                      </p:cBhvr>
+                                    </p:animEffect>
+                                    <p:anim calcmode="lin" valueType="num">
+                                      <p:cBhvr>
+                                        <p:cTn id="53" dur="1000" fill="hold"/>
+                                        <p:tgtEl>
+                                          <p:spTgt spid="3">
+                                            <p:txEl>
+                                              <p:pRg st="8" end="8"/>
+                                            </p:txEl>
+                                          </p:spTgt>
+                                        </p:tgtEl>
+                                        <p:attrNameLst>
+                                          <p:attrName>ppt_x</p:attrName>
+                                        </p:attrNameLst>
+                                      </p:cBhvr>
+                                      <p:tavLst>
+                                        <p:tav tm="0">
+                                          <p:val>
+                                            <p:strVal val="#ppt_x"/>
+                                          </p:val>
+                                        </p:tav>
+                                        <p:tav tm="100000">
+                                          <p:val>
+                                            <p:strVal val="#ppt_x"/>
+                                          </p:val>
+                                        </p:tav>
+                                      </p:tavLst>
+                                    </p:anim>
+                                    <p:anim calcmode="lin" valueType="num">
+                                      <p:cBhvr>
+                                        <p:cTn id="54" dur="1000" fill="hold"/>
+                                        <p:tgtEl>
+                                          <p:spTgt spid="3">
+                                            <p:txEl>
+                                              <p:pRg st="8" end="8"/>
+                                            </p:txEl>
+                                          </p:spTgt>
+                                        </p:tgtEl>
+                                        <p:attrNameLst>
+                                          <p:attrName>ppt_y</p:attrName>
+                                        </p:attrNameLst>
+                                      </p:cBhvr>
+                                      <p:tavLst>
+                                        <p:tav tm="0">
+                                          <p:val>
+                                            <p:strVal val="#ppt_y+.1"/>
+                                          </p:val>
+                                        </p:tav>
+                                        <p:tav tm="100000">
+                                          <p:val>
+                                            <p:strVal val="#ppt_y"/>
+                                          </p:val>
+                                        </p:tav>
+                                      </p:tavLst>
+                                    </p:anim>
                                   </p:childTnLst>
                                 </p:cTn>
                               </p:par>
@@ -9977,6 +10857,1155 @@
       </p:transition>
     </mc:Fallback>
   </mc:AlternateContent>
+  <p:timing>
+    <p:tnLst>
+      <p:par>
+        <p:cTn id="1" dur="indefinite" restart="never" nodeType="tmRoot">
+          <p:childTnLst>
+            <p:seq concurrent="1" nextAc="seek">
+              <p:cTn id="2" dur="indefinite" nodeType="mainSeq">
+                <p:childTnLst>
+                  <p:par>
+                    <p:cTn id="3" fill="hold">
+                      <p:stCondLst>
+                        <p:cond delay="indefinite"/>
+                      </p:stCondLst>
+                      <p:childTnLst>
+                        <p:par>
+                          <p:cTn id="4" fill="hold">
+                            <p:stCondLst>
+                              <p:cond delay="0"/>
+                            </p:stCondLst>
+                            <p:childTnLst>
+                              <p:par>
+                                <p:cTn id="5" presetID="42" presetClass="entr" presetSubtype="0" fill="hold" grpId="0" nodeType="clickEffect">
+                                  <p:stCondLst>
+                                    <p:cond delay="0"/>
+                                  </p:stCondLst>
+                                  <p:childTnLst>
+                                    <p:set>
+                                      <p:cBhvr>
+                                        <p:cTn id="6" dur="1" fill="hold">
+                                          <p:stCondLst>
+                                            <p:cond delay="0"/>
+                                          </p:stCondLst>
+                                        </p:cTn>
+                                        <p:tgtEl>
+                                          <p:spTgt spid="3">
+                                            <p:txEl>
+                                              <p:pRg st="0" end="0"/>
+                                            </p:txEl>
+                                          </p:spTgt>
+                                        </p:tgtEl>
+                                        <p:attrNameLst>
+                                          <p:attrName>style.visibility</p:attrName>
+                                        </p:attrNameLst>
+                                      </p:cBhvr>
+                                      <p:to>
+                                        <p:strVal val="visible"/>
+                                      </p:to>
+                                    </p:set>
+                                    <p:animEffect transition="in" filter="fade">
+                                      <p:cBhvr>
+                                        <p:cTn id="7" dur="1000"/>
+                                        <p:tgtEl>
+                                          <p:spTgt spid="3">
+                                            <p:txEl>
+                                              <p:pRg st="0" end="0"/>
+                                            </p:txEl>
+                                          </p:spTgt>
+                                        </p:tgtEl>
+                                      </p:cBhvr>
+                                    </p:animEffect>
+                                    <p:anim calcmode="lin" valueType="num">
+                                      <p:cBhvr>
+                                        <p:cTn id="8" dur="1000" fill="hold"/>
+                                        <p:tgtEl>
+                                          <p:spTgt spid="3">
+                                            <p:txEl>
+                                              <p:pRg st="0" end="0"/>
+                                            </p:txEl>
+                                          </p:spTgt>
+                                        </p:tgtEl>
+                                        <p:attrNameLst>
+                                          <p:attrName>ppt_x</p:attrName>
+                                        </p:attrNameLst>
+                                      </p:cBhvr>
+                                      <p:tavLst>
+                                        <p:tav tm="0">
+                                          <p:val>
+                                            <p:strVal val="#ppt_x"/>
+                                          </p:val>
+                                        </p:tav>
+                                        <p:tav tm="100000">
+                                          <p:val>
+                                            <p:strVal val="#ppt_x"/>
+                                          </p:val>
+                                        </p:tav>
+                                      </p:tavLst>
+                                    </p:anim>
+                                    <p:anim calcmode="lin" valueType="num">
+                                      <p:cBhvr>
+                                        <p:cTn id="9" dur="1000" fill="hold"/>
+                                        <p:tgtEl>
+                                          <p:spTgt spid="3">
+                                            <p:txEl>
+                                              <p:pRg st="0" end="0"/>
+                                            </p:txEl>
+                                          </p:spTgt>
+                                        </p:tgtEl>
+                                        <p:attrNameLst>
+                                          <p:attrName>ppt_y</p:attrName>
+                                        </p:attrNameLst>
+                                      </p:cBhvr>
+                                      <p:tavLst>
+                                        <p:tav tm="0">
+                                          <p:val>
+                                            <p:strVal val="#ppt_y+.1"/>
+                                          </p:val>
+                                        </p:tav>
+                                        <p:tav tm="100000">
+                                          <p:val>
+                                            <p:strVal val="#ppt_y"/>
+                                          </p:val>
+                                        </p:tav>
+                                      </p:tavLst>
+                                    </p:anim>
+                                  </p:childTnLst>
+                                </p:cTn>
+                              </p:par>
+                            </p:childTnLst>
+                          </p:cTn>
+                        </p:par>
+                      </p:childTnLst>
+                    </p:cTn>
+                  </p:par>
+                  <p:par>
+                    <p:cTn id="10" fill="hold">
+                      <p:stCondLst>
+                        <p:cond delay="indefinite"/>
+                      </p:stCondLst>
+                      <p:childTnLst>
+                        <p:par>
+                          <p:cTn id="11" fill="hold">
+                            <p:stCondLst>
+                              <p:cond delay="0"/>
+                            </p:stCondLst>
+                            <p:childTnLst>
+                              <p:par>
+                                <p:cTn id="12" presetID="42" presetClass="entr" presetSubtype="0" fill="hold" grpId="0" nodeType="clickEffect">
+                                  <p:stCondLst>
+                                    <p:cond delay="0"/>
+                                  </p:stCondLst>
+                                  <p:childTnLst>
+                                    <p:set>
+                                      <p:cBhvr>
+                                        <p:cTn id="13" dur="1" fill="hold">
+                                          <p:stCondLst>
+                                            <p:cond delay="0"/>
+                                          </p:stCondLst>
+                                        </p:cTn>
+                                        <p:tgtEl>
+                                          <p:spTgt spid="3">
+                                            <p:txEl>
+                                              <p:pRg st="1" end="1"/>
+                                            </p:txEl>
+                                          </p:spTgt>
+                                        </p:tgtEl>
+                                        <p:attrNameLst>
+                                          <p:attrName>style.visibility</p:attrName>
+                                        </p:attrNameLst>
+                                      </p:cBhvr>
+                                      <p:to>
+                                        <p:strVal val="visible"/>
+                                      </p:to>
+                                    </p:set>
+                                    <p:animEffect transition="in" filter="fade">
+                                      <p:cBhvr>
+                                        <p:cTn id="14" dur="1000"/>
+                                        <p:tgtEl>
+                                          <p:spTgt spid="3">
+                                            <p:txEl>
+                                              <p:pRg st="1" end="1"/>
+                                            </p:txEl>
+                                          </p:spTgt>
+                                        </p:tgtEl>
+                                      </p:cBhvr>
+                                    </p:animEffect>
+                                    <p:anim calcmode="lin" valueType="num">
+                                      <p:cBhvr>
+                                        <p:cTn id="15" dur="1000" fill="hold"/>
+                                        <p:tgtEl>
+                                          <p:spTgt spid="3">
+                                            <p:txEl>
+                                              <p:pRg st="1" end="1"/>
+                                            </p:txEl>
+                                          </p:spTgt>
+                                        </p:tgtEl>
+                                        <p:attrNameLst>
+                                          <p:attrName>ppt_x</p:attrName>
+                                        </p:attrNameLst>
+                                      </p:cBhvr>
+                                      <p:tavLst>
+                                        <p:tav tm="0">
+                                          <p:val>
+                                            <p:strVal val="#ppt_x"/>
+                                          </p:val>
+                                        </p:tav>
+                                        <p:tav tm="100000">
+                                          <p:val>
+                                            <p:strVal val="#ppt_x"/>
+                                          </p:val>
+                                        </p:tav>
+                                      </p:tavLst>
+                                    </p:anim>
+                                    <p:anim calcmode="lin" valueType="num">
+                                      <p:cBhvr>
+                                        <p:cTn id="16" dur="1000" fill="hold"/>
+                                        <p:tgtEl>
+                                          <p:spTgt spid="3">
+                                            <p:txEl>
+                                              <p:pRg st="1" end="1"/>
+                                            </p:txEl>
+                                          </p:spTgt>
+                                        </p:tgtEl>
+                                        <p:attrNameLst>
+                                          <p:attrName>ppt_y</p:attrName>
+                                        </p:attrNameLst>
+                                      </p:cBhvr>
+                                      <p:tavLst>
+                                        <p:tav tm="0">
+                                          <p:val>
+                                            <p:strVal val="#ppt_y+.1"/>
+                                          </p:val>
+                                        </p:tav>
+                                        <p:tav tm="100000">
+                                          <p:val>
+                                            <p:strVal val="#ppt_y"/>
+                                          </p:val>
+                                        </p:tav>
+                                      </p:tavLst>
+                                    </p:anim>
+                                  </p:childTnLst>
+                                </p:cTn>
+                              </p:par>
+                            </p:childTnLst>
+                          </p:cTn>
+                        </p:par>
+                      </p:childTnLst>
+                    </p:cTn>
+                  </p:par>
+                  <p:par>
+                    <p:cTn id="17" fill="hold">
+                      <p:stCondLst>
+                        <p:cond delay="indefinite"/>
+                      </p:stCondLst>
+                      <p:childTnLst>
+                        <p:par>
+                          <p:cTn id="18" fill="hold">
+                            <p:stCondLst>
+                              <p:cond delay="0"/>
+                            </p:stCondLst>
+                            <p:childTnLst>
+                              <p:par>
+                                <p:cTn id="19" presetID="42" presetClass="entr" presetSubtype="0" fill="hold" grpId="0" nodeType="clickEffect">
+                                  <p:stCondLst>
+                                    <p:cond delay="0"/>
+                                  </p:stCondLst>
+                                  <p:childTnLst>
+                                    <p:set>
+                                      <p:cBhvr>
+                                        <p:cTn id="20" dur="1" fill="hold">
+                                          <p:stCondLst>
+                                            <p:cond delay="0"/>
+                                          </p:stCondLst>
+                                        </p:cTn>
+                                        <p:tgtEl>
+                                          <p:spTgt spid="3">
+                                            <p:txEl>
+                                              <p:pRg st="2" end="2"/>
+                                            </p:txEl>
+                                          </p:spTgt>
+                                        </p:tgtEl>
+                                        <p:attrNameLst>
+                                          <p:attrName>style.visibility</p:attrName>
+                                        </p:attrNameLst>
+                                      </p:cBhvr>
+                                      <p:to>
+                                        <p:strVal val="visible"/>
+                                      </p:to>
+                                    </p:set>
+                                    <p:animEffect transition="in" filter="fade">
+                                      <p:cBhvr>
+                                        <p:cTn id="21" dur="1000"/>
+                                        <p:tgtEl>
+                                          <p:spTgt spid="3">
+                                            <p:txEl>
+                                              <p:pRg st="2" end="2"/>
+                                            </p:txEl>
+                                          </p:spTgt>
+                                        </p:tgtEl>
+                                      </p:cBhvr>
+                                    </p:animEffect>
+                                    <p:anim calcmode="lin" valueType="num">
+                                      <p:cBhvr>
+                                        <p:cTn id="22" dur="1000" fill="hold"/>
+                                        <p:tgtEl>
+                                          <p:spTgt spid="3">
+                                            <p:txEl>
+                                              <p:pRg st="2" end="2"/>
+                                            </p:txEl>
+                                          </p:spTgt>
+                                        </p:tgtEl>
+                                        <p:attrNameLst>
+                                          <p:attrName>ppt_x</p:attrName>
+                                        </p:attrNameLst>
+                                      </p:cBhvr>
+                                      <p:tavLst>
+                                        <p:tav tm="0">
+                                          <p:val>
+                                            <p:strVal val="#ppt_x"/>
+                                          </p:val>
+                                        </p:tav>
+                                        <p:tav tm="100000">
+                                          <p:val>
+                                            <p:strVal val="#ppt_x"/>
+                                          </p:val>
+                                        </p:tav>
+                                      </p:tavLst>
+                                    </p:anim>
+                                    <p:anim calcmode="lin" valueType="num">
+                                      <p:cBhvr>
+                                        <p:cTn id="23" dur="1000" fill="hold"/>
+                                        <p:tgtEl>
+                                          <p:spTgt spid="3">
+                                            <p:txEl>
+                                              <p:pRg st="2" end="2"/>
+                                            </p:txEl>
+                                          </p:spTgt>
+                                        </p:tgtEl>
+                                        <p:attrNameLst>
+                                          <p:attrName>ppt_y</p:attrName>
+                                        </p:attrNameLst>
+                                      </p:cBhvr>
+                                      <p:tavLst>
+                                        <p:tav tm="0">
+                                          <p:val>
+                                            <p:strVal val="#ppt_y+.1"/>
+                                          </p:val>
+                                        </p:tav>
+                                        <p:tav tm="100000">
+                                          <p:val>
+                                            <p:strVal val="#ppt_y"/>
+                                          </p:val>
+                                        </p:tav>
+                                      </p:tavLst>
+                                    </p:anim>
+                                  </p:childTnLst>
+                                </p:cTn>
+                              </p:par>
+                            </p:childTnLst>
+                          </p:cTn>
+                        </p:par>
+                      </p:childTnLst>
+                    </p:cTn>
+                  </p:par>
+                  <p:par>
+                    <p:cTn id="24" fill="hold">
+                      <p:stCondLst>
+                        <p:cond delay="indefinite"/>
+                      </p:stCondLst>
+                      <p:childTnLst>
+                        <p:par>
+                          <p:cTn id="25" fill="hold">
+                            <p:stCondLst>
+                              <p:cond delay="0"/>
+                            </p:stCondLst>
+                            <p:childTnLst>
+                              <p:par>
+                                <p:cTn id="26" presetID="42" presetClass="entr" presetSubtype="0" fill="hold" grpId="0" nodeType="clickEffect">
+                                  <p:stCondLst>
+                                    <p:cond delay="0"/>
+                                  </p:stCondLst>
+                                  <p:childTnLst>
+                                    <p:set>
+                                      <p:cBhvr>
+                                        <p:cTn id="27" dur="1" fill="hold">
+                                          <p:stCondLst>
+                                            <p:cond delay="0"/>
+                                          </p:stCondLst>
+                                        </p:cTn>
+                                        <p:tgtEl>
+                                          <p:spTgt spid="3">
+                                            <p:txEl>
+                                              <p:pRg st="3" end="3"/>
+                                            </p:txEl>
+                                          </p:spTgt>
+                                        </p:tgtEl>
+                                        <p:attrNameLst>
+                                          <p:attrName>style.visibility</p:attrName>
+                                        </p:attrNameLst>
+                                      </p:cBhvr>
+                                      <p:to>
+                                        <p:strVal val="visible"/>
+                                      </p:to>
+                                    </p:set>
+                                    <p:animEffect transition="in" filter="fade">
+                                      <p:cBhvr>
+                                        <p:cTn id="28" dur="1000"/>
+                                        <p:tgtEl>
+                                          <p:spTgt spid="3">
+                                            <p:txEl>
+                                              <p:pRg st="3" end="3"/>
+                                            </p:txEl>
+                                          </p:spTgt>
+                                        </p:tgtEl>
+                                      </p:cBhvr>
+                                    </p:animEffect>
+                                    <p:anim calcmode="lin" valueType="num">
+                                      <p:cBhvr>
+                                        <p:cTn id="29" dur="1000" fill="hold"/>
+                                        <p:tgtEl>
+                                          <p:spTgt spid="3">
+                                            <p:txEl>
+                                              <p:pRg st="3" end="3"/>
+                                            </p:txEl>
+                                          </p:spTgt>
+                                        </p:tgtEl>
+                                        <p:attrNameLst>
+                                          <p:attrName>ppt_x</p:attrName>
+                                        </p:attrNameLst>
+                                      </p:cBhvr>
+                                      <p:tavLst>
+                                        <p:tav tm="0">
+                                          <p:val>
+                                            <p:strVal val="#ppt_x"/>
+                                          </p:val>
+                                        </p:tav>
+                                        <p:tav tm="100000">
+                                          <p:val>
+                                            <p:strVal val="#ppt_x"/>
+                                          </p:val>
+                                        </p:tav>
+                                      </p:tavLst>
+                                    </p:anim>
+                                    <p:anim calcmode="lin" valueType="num">
+                                      <p:cBhvr>
+                                        <p:cTn id="30" dur="1000" fill="hold"/>
+                                        <p:tgtEl>
+                                          <p:spTgt spid="3">
+                                            <p:txEl>
+                                              <p:pRg st="3" end="3"/>
+                                            </p:txEl>
+                                          </p:spTgt>
+                                        </p:tgtEl>
+                                        <p:attrNameLst>
+                                          <p:attrName>ppt_y</p:attrName>
+                                        </p:attrNameLst>
+                                      </p:cBhvr>
+                                      <p:tavLst>
+                                        <p:tav tm="0">
+                                          <p:val>
+                                            <p:strVal val="#ppt_y+.1"/>
+                                          </p:val>
+                                        </p:tav>
+                                        <p:tav tm="100000">
+                                          <p:val>
+                                            <p:strVal val="#ppt_y"/>
+                                          </p:val>
+                                        </p:tav>
+                                      </p:tavLst>
+                                    </p:anim>
+                                  </p:childTnLst>
+                                </p:cTn>
+                              </p:par>
+                            </p:childTnLst>
+                          </p:cTn>
+                        </p:par>
+                      </p:childTnLst>
+                    </p:cTn>
+                  </p:par>
+                  <p:par>
+                    <p:cTn id="31" fill="hold">
+                      <p:stCondLst>
+                        <p:cond delay="indefinite"/>
+                      </p:stCondLst>
+                      <p:childTnLst>
+                        <p:par>
+                          <p:cTn id="32" fill="hold">
+                            <p:stCondLst>
+                              <p:cond delay="0"/>
+                            </p:stCondLst>
+                            <p:childTnLst>
+                              <p:par>
+                                <p:cTn id="33" presetID="42" presetClass="entr" presetSubtype="0" fill="hold" grpId="0" nodeType="clickEffect">
+                                  <p:stCondLst>
+                                    <p:cond delay="0"/>
+                                  </p:stCondLst>
+                                  <p:childTnLst>
+                                    <p:set>
+                                      <p:cBhvr>
+                                        <p:cTn id="34" dur="1" fill="hold">
+                                          <p:stCondLst>
+                                            <p:cond delay="0"/>
+                                          </p:stCondLst>
+                                        </p:cTn>
+                                        <p:tgtEl>
+                                          <p:spTgt spid="3">
+                                            <p:txEl>
+                                              <p:pRg st="4" end="4"/>
+                                            </p:txEl>
+                                          </p:spTgt>
+                                        </p:tgtEl>
+                                        <p:attrNameLst>
+                                          <p:attrName>style.visibility</p:attrName>
+                                        </p:attrNameLst>
+                                      </p:cBhvr>
+                                      <p:to>
+                                        <p:strVal val="visible"/>
+                                      </p:to>
+                                    </p:set>
+                                    <p:animEffect transition="in" filter="fade">
+                                      <p:cBhvr>
+                                        <p:cTn id="35" dur="1000"/>
+                                        <p:tgtEl>
+                                          <p:spTgt spid="3">
+                                            <p:txEl>
+                                              <p:pRg st="4" end="4"/>
+                                            </p:txEl>
+                                          </p:spTgt>
+                                        </p:tgtEl>
+                                      </p:cBhvr>
+                                    </p:animEffect>
+                                    <p:anim calcmode="lin" valueType="num">
+                                      <p:cBhvr>
+                                        <p:cTn id="36" dur="1000" fill="hold"/>
+                                        <p:tgtEl>
+                                          <p:spTgt spid="3">
+                                            <p:txEl>
+                                              <p:pRg st="4" end="4"/>
+                                            </p:txEl>
+                                          </p:spTgt>
+                                        </p:tgtEl>
+                                        <p:attrNameLst>
+                                          <p:attrName>ppt_x</p:attrName>
+                                        </p:attrNameLst>
+                                      </p:cBhvr>
+                                      <p:tavLst>
+                                        <p:tav tm="0">
+                                          <p:val>
+                                            <p:strVal val="#ppt_x"/>
+                                          </p:val>
+                                        </p:tav>
+                                        <p:tav tm="100000">
+                                          <p:val>
+                                            <p:strVal val="#ppt_x"/>
+                                          </p:val>
+                                        </p:tav>
+                                      </p:tavLst>
+                                    </p:anim>
+                                    <p:anim calcmode="lin" valueType="num">
+                                      <p:cBhvr>
+                                        <p:cTn id="37" dur="1000" fill="hold"/>
+                                        <p:tgtEl>
+                                          <p:spTgt spid="3">
+                                            <p:txEl>
+                                              <p:pRg st="4" end="4"/>
+                                            </p:txEl>
+                                          </p:spTgt>
+                                        </p:tgtEl>
+                                        <p:attrNameLst>
+                                          <p:attrName>ppt_y</p:attrName>
+                                        </p:attrNameLst>
+                                      </p:cBhvr>
+                                      <p:tavLst>
+                                        <p:tav tm="0">
+                                          <p:val>
+                                            <p:strVal val="#ppt_y+.1"/>
+                                          </p:val>
+                                        </p:tav>
+                                        <p:tav tm="100000">
+                                          <p:val>
+                                            <p:strVal val="#ppt_y"/>
+                                          </p:val>
+                                        </p:tav>
+                                      </p:tavLst>
+                                    </p:anim>
+                                  </p:childTnLst>
+                                </p:cTn>
+                              </p:par>
+                            </p:childTnLst>
+                          </p:cTn>
+                        </p:par>
+                      </p:childTnLst>
+                    </p:cTn>
+                  </p:par>
+                  <p:par>
+                    <p:cTn id="38" fill="hold">
+                      <p:stCondLst>
+                        <p:cond delay="indefinite"/>
+                      </p:stCondLst>
+                      <p:childTnLst>
+                        <p:par>
+                          <p:cTn id="39" fill="hold">
+                            <p:stCondLst>
+                              <p:cond delay="0"/>
+                            </p:stCondLst>
+                            <p:childTnLst>
+                              <p:par>
+                                <p:cTn id="40" presetID="42" presetClass="entr" presetSubtype="0" fill="hold" grpId="0" nodeType="clickEffect">
+                                  <p:stCondLst>
+                                    <p:cond delay="0"/>
+                                  </p:stCondLst>
+                                  <p:childTnLst>
+                                    <p:set>
+                                      <p:cBhvr>
+                                        <p:cTn id="41" dur="1" fill="hold">
+                                          <p:stCondLst>
+                                            <p:cond delay="0"/>
+                                          </p:stCondLst>
+                                        </p:cTn>
+                                        <p:tgtEl>
+                                          <p:spTgt spid="3">
+                                            <p:txEl>
+                                              <p:pRg st="5" end="5"/>
+                                            </p:txEl>
+                                          </p:spTgt>
+                                        </p:tgtEl>
+                                        <p:attrNameLst>
+                                          <p:attrName>style.visibility</p:attrName>
+                                        </p:attrNameLst>
+                                      </p:cBhvr>
+                                      <p:to>
+                                        <p:strVal val="visible"/>
+                                      </p:to>
+                                    </p:set>
+                                    <p:animEffect transition="in" filter="fade">
+                                      <p:cBhvr>
+                                        <p:cTn id="42" dur="1000"/>
+                                        <p:tgtEl>
+                                          <p:spTgt spid="3">
+                                            <p:txEl>
+                                              <p:pRg st="5" end="5"/>
+                                            </p:txEl>
+                                          </p:spTgt>
+                                        </p:tgtEl>
+                                      </p:cBhvr>
+                                    </p:animEffect>
+                                    <p:anim calcmode="lin" valueType="num">
+                                      <p:cBhvr>
+                                        <p:cTn id="43" dur="1000" fill="hold"/>
+                                        <p:tgtEl>
+                                          <p:spTgt spid="3">
+                                            <p:txEl>
+                                              <p:pRg st="5" end="5"/>
+                                            </p:txEl>
+                                          </p:spTgt>
+                                        </p:tgtEl>
+                                        <p:attrNameLst>
+                                          <p:attrName>ppt_x</p:attrName>
+                                        </p:attrNameLst>
+                                      </p:cBhvr>
+                                      <p:tavLst>
+                                        <p:tav tm="0">
+                                          <p:val>
+                                            <p:strVal val="#ppt_x"/>
+                                          </p:val>
+                                        </p:tav>
+                                        <p:tav tm="100000">
+                                          <p:val>
+                                            <p:strVal val="#ppt_x"/>
+                                          </p:val>
+                                        </p:tav>
+                                      </p:tavLst>
+                                    </p:anim>
+                                    <p:anim calcmode="lin" valueType="num">
+                                      <p:cBhvr>
+                                        <p:cTn id="44" dur="1000" fill="hold"/>
+                                        <p:tgtEl>
+                                          <p:spTgt spid="3">
+                                            <p:txEl>
+                                              <p:pRg st="5" end="5"/>
+                                            </p:txEl>
+                                          </p:spTgt>
+                                        </p:tgtEl>
+                                        <p:attrNameLst>
+                                          <p:attrName>ppt_y</p:attrName>
+                                        </p:attrNameLst>
+                                      </p:cBhvr>
+                                      <p:tavLst>
+                                        <p:tav tm="0">
+                                          <p:val>
+                                            <p:strVal val="#ppt_y+.1"/>
+                                          </p:val>
+                                        </p:tav>
+                                        <p:tav tm="100000">
+                                          <p:val>
+                                            <p:strVal val="#ppt_y"/>
+                                          </p:val>
+                                        </p:tav>
+                                      </p:tavLst>
+                                    </p:anim>
+                                  </p:childTnLst>
+                                </p:cTn>
+                              </p:par>
+                            </p:childTnLst>
+                          </p:cTn>
+                        </p:par>
+                      </p:childTnLst>
+                    </p:cTn>
+                  </p:par>
+                  <p:par>
+                    <p:cTn id="45" fill="hold">
+                      <p:stCondLst>
+                        <p:cond delay="indefinite"/>
+                      </p:stCondLst>
+                      <p:childTnLst>
+                        <p:par>
+                          <p:cTn id="46" fill="hold">
+                            <p:stCondLst>
+                              <p:cond delay="0"/>
+                            </p:stCondLst>
+                            <p:childTnLst>
+                              <p:par>
+                                <p:cTn id="47" presetID="42" presetClass="entr" presetSubtype="0" fill="hold" grpId="0" nodeType="clickEffect">
+                                  <p:stCondLst>
+                                    <p:cond delay="0"/>
+                                  </p:stCondLst>
+                                  <p:childTnLst>
+                                    <p:set>
+                                      <p:cBhvr>
+                                        <p:cTn id="48" dur="1" fill="hold">
+                                          <p:stCondLst>
+                                            <p:cond delay="0"/>
+                                          </p:stCondLst>
+                                        </p:cTn>
+                                        <p:tgtEl>
+                                          <p:spTgt spid="3">
+                                            <p:txEl>
+                                              <p:pRg st="6" end="6"/>
+                                            </p:txEl>
+                                          </p:spTgt>
+                                        </p:tgtEl>
+                                        <p:attrNameLst>
+                                          <p:attrName>style.visibility</p:attrName>
+                                        </p:attrNameLst>
+                                      </p:cBhvr>
+                                      <p:to>
+                                        <p:strVal val="visible"/>
+                                      </p:to>
+                                    </p:set>
+                                    <p:animEffect transition="in" filter="fade">
+                                      <p:cBhvr>
+                                        <p:cTn id="49" dur="1000"/>
+                                        <p:tgtEl>
+                                          <p:spTgt spid="3">
+                                            <p:txEl>
+                                              <p:pRg st="6" end="6"/>
+                                            </p:txEl>
+                                          </p:spTgt>
+                                        </p:tgtEl>
+                                      </p:cBhvr>
+                                    </p:animEffect>
+                                    <p:anim calcmode="lin" valueType="num">
+                                      <p:cBhvr>
+                                        <p:cTn id="50" dur="1000" fill="hold"/>
+                                        <p:tgtEl>
+                                          <p:spTgt spid="3">
+                                            <p:txEl>
+                                              <p:pRg st="6" end="6"/>
+                                            </p:txEl>
+                                          </p:spTgt>
+                                        </p:tgtEl>
+                                        <p:attrNameLst>
+                                          <p:attrName>ppt_x</p:attrName>
+                                        </p:attrNameLst>
+                                      </p:cBhvr>
+                                      <p:tavLst>
+                                        <p:tav tm="0">
+                                          <p:val>
+                                            <p:strVal val="#ppt_x"/>
+                                          </p:val>
+                                        </p:tav>
+                                        <p:tav tm="100000">
+                                          <p:val>
+                                            <p:strVal val="#ppt_x"/>
+                                          </p:val>
+                                        </p:tav>
+                                      </p:tavLst>
+                                    </p:anim>
+                                    <p:anim calcmode="lin" valueType="num">
+                                      <p:cBhvr>
+                                        <p:cTn id="51" dur="1000" fill="hold"/>
+                                        <p:tgtEl>
+                                          <p:spTgt spid="3">
+                                            <p:txEl>
+                                              <p:pRg st="6" end="6"/>
+                                            </p:txEl>
+                                          </p:spTgt>
+                                        </p:tgtEl>
+                                        <p:attrNameLst>
+                                          <p:attrName>ppt_y</p:attrName>
+                                        </p:attrNameLst>
+                                      </p:cBhvr>
+                                      <p:tavLst>
+                                        <p:tav tm="0">
+                                          <p:val>
+                                            <p:strVal val="#ppt_y+.1"/>
+                                          </p:val>
+                                        </p:tav>
+                                        <p:tav tm="100000">
+                                          <p:val>
+                                            <p:strVal val="#ppt_y"/>
+                                          </p:val>
+                                        </p:tav>
+                                      </p:tavLst>
+                                    </p:anim>
+                                  </p:childTnLst>
+                                </p:cTn>
+                              </p:par>
+                            </p:childTnLst>
+                          </p:cTn>
+                        </p:par>
+                      </p:childTnLst>
+                    </p:cTn>
+                  </p:par>
+                  <p:par>
+                    <p:cTn id="52" fill="hold">
+                      <p:stCondLst>
+                        <p:cond delay="indefinite"/>
+                      </p:stCondLst>
+                      <p:childTnLst>
+                        <p:par>
+                          <p:cTn id="53" fill="hold">
+                            <p:stCondLst>
+                              <p:cond delay="0"/>
+                            </p:stCondLst>
+                            <p:childTnLst>
+                              <p:par>
+                                <p:cTn id="54" presetID="42" presetClass="entr" presetSubtype="0" fill="hold" grpId="0" nodeType="clickEffect">
+                                  <p:stCondLst>
+                                    <p:cond delay="0"/>
+                                  </p:stCondLst>
+                                  <p:childTnLst>
+                                    <p:set>
+                                      <p:cBhvr>
+                                        <p:cTn id="55" dur="1" fill="hold">
+                                          <p:stCondLst>
+                                            <p:cond delay="0"/>
+                                          </p:stCondLst>
+                                        </p:cTn>
+                                        <p:tgtEl>
+                                          <p:spTgt spid="3">
+                                            <p:txEl>
+                                              <p:pRg st="7" end="7"/>
+                                            </p:txEl>
+                                          </p:spTgt>
+                                        </p:tgtEl>
+                                        <p:attrNameLst>
+                                          <p:attrName>style.visibility</p:attrName>
+                                        </p:attrNameLst>
+                                      </p:cBhvr>
+                                      <p:to>
+                                        <p:strVal val="visible"/>
+                                      </p:to>
+                                    </p:set>
+                                    <p:animEffect transition="in" filter="fade">
+                                      <p:cBhvr>
+                                        <p:cTn id="56" dur="1000"/>
+                                        <p:tgtEl>
+                                          <p:spTgt spid="3">
+                                            <p:txEl>
+                                              <p:pRg st="7" end="7"/>
+                                            </p:txEl>
+                                          </p:spTgt>
+                                        </p:tgtEl>
+                                      </p:cBhvr>
+                                    </p:animEffect>
+                                    <p:anim calcmode="lin" valueType="num">
+                                      <p:cBhvr>
+                                        <p:cTn id="57" dur="1000" fill="hold"/>
+                                        <p:tgtEl>
+                                          <p:spTgt spid="3">
+                                            <p:txEl>
+                                              <p:pRg st="7" end="7"/>
+                                            </p:txEl>
+                                          </p:spTgt>
+                                        </p:tgtEl>
+                                        <p:attrNameLst>
+                                          <p:attrName>ppt_x</p:attrName>
+                                        </p:attrNameLst>
+                                      </p:cBhvr>
+                                      <p:tavLst>
+                                        <p:tav tm="0">
+                                          <p:val>
+                                            <p:strVal val="#ppt_x"/>
+                                          </p:val>
+                                        </p:tav>
+                                        <p:tav tm="100000">
+                                          <p:val>
+                                            <p:strVal val="#ppt_x"/>
+                                          </p:val>
+                                        </p:tav>
+                                      </p:tavLst>
+                                    </p:anim>
+                                    <p:anim calcmode="lin" valueType="num">
+                                      <p:cBhvr>
+                                        <p:cTn id="58" dur="1000" fill="hold"/>
+                                        <p:tgtEl>
+                                          <p:spTgt spid="3">
+                                            <p:txEl>
+                                              <p:pRg st="7" end="7"/>
+                                            </p:txEl>
+                                          </p:spTgt>
+                                        </p:tgtEl>
+                                        <p:attrNameLst>
+                                          <p:attrName>ppt_y</p:attrName>
+                                        </p:attrNameLst>
+                                      </p:cBhvr>
+                                      <p:tavLst>
+                                        <p:tav tm="0">
+                                          <p:val>
+                                            <p:strVal val="#ppt_y+.1"/>
+                                          </p:val>
+                                        </p:tav>
+                                        <p:tav tm="100000">
+                                          <p:val>
+                                            <p:strVal val="#ppt_y"/>
+                                          </p:val>
+                                        </p:tav>
+                                      </p:tavLst>
+                                    </p:anim>
+                                  </p:childTnLst>
+                                </p:cTn>
+                              </p:par>
+                            </p:childTnLst>
+                          </p:cTn>
+                        </p:par>
+                      </p:childTnLst>
+                    </p:cTn>
+                  </p:par>
+                  <p:par>
+                    <p:cTn id="59" fill="hold">
+                      <p:stCondLst>
+                        <p:cond delay="indefinite"/>
+                      </p:stCondLst>
+                      <p:childTnLst>
+                        <p:par>
+                          <p:cTn id="60" fill="hold">
+                            <p:stCondLst>
+                              <p:cond delay="0"/>
+                            </p:stCondLst>
+                            <p:childTnLst>
+                              <p:par>
+                                <p:cTn id="61" presetID="42" presetClass="entr" presetSubtype="0" fill="hold" grpId="0" nodeType="clickEffect">
+                                  <p:stCondLst>
+                                    <p:cond delay="0"/>
+                                  </p:stCondLst>
+                                  <p:childTnLst>
+                                    <p:set>
+                                      <p:cBhvr>
+                                        <p:cTn id="62" dur="1" fill="hold">
+                                          <p:stCondLst>
+                                            <p:cond delay="0"/>
+                                          </p:stCondLst>
+                                        </p:cTn>
+                                        <p:tgtEl>
+                                          <p:spTgt spid="3">
+                                            <p:txEl>
+                                              <p:pRg st="8" end="8"/>
+                                            </p:txEl>
+                                          </p:spTgt>
+                                        </p:tgtEl>
+                                        <p:attrNameLst>
+                                          <p:attrName>style.visibility</p:attrName>
+                                        </p:attrNameLst>
+                                      </p:cBhvr>
+                                      <p:to>
+                                        <p:strVal val="visible"/>
+                                      </p:to>
+                                    </p:set>
+                                    <p:animEffect transition="in" filter="fade">
+                                      <p:cBhvr>
+                                        <p:cTn id="63" dur="1000"/>
+                                        <p:tgtEl>
+                                          <p:spTgt spid="3">
+                                            <p:txEl>
+                                              <p:pRg st="8" end="8"/>
+                                            </p:txEl>
+                                          </p:spTgt>
+                                        </p:tgtEl>
+                                      </p:cBhvr>
+                                    </p:animEffect>
+                                    <p:anim calcmode="lin" valueType="num">
+                                      <p:cBhvr>
+                                        <p:cTn id="64" dur="1000" fill="hold"/>
+                                        <p:tgtEl>
+                                          <p:spTgt spid="3">
+                                            <p:txEl>
+                                              <p:pRg st="8" end="8"/>
+                                            </p:txEl>
+                                          </p:spTgt>
+                                        </p:tgtEl>
+                                        <p:attrNameLst>
+                                          <p:attrName>ppt_x</p:attrName>
+                                        </p:attrNameLst>
+                                      </p:cBhvr>
+                                      <p:tavLst>
+                                        <p:tav tm="0">
+                                          <p:val>
+                                            <p:strVal val="#ppt_x"/>
+                                          </p:val>
+                                        </p:tav>
+                                        <p:tav tm="100000">
+                                          <p:val>
+                                            <p:strVal val="#ppt_x"/>
+                                          </p:val>
+                                        </p:tav>
+                                      </p:tavLst>
+                                    </p:anim>
+                                    <p:anim calcmode="lin" valueType="num">
+                                      <p:cBhvr>
+                                        <p:cTn id="65" dur="1000" fill="hold"/>
+                                        <p:tgtEl>
+                                          <p:spTgt spid="3">
+                                            <p:txEl>
+                                              <p:pRg st="8" end="8"/>
+                                            </p:txEl>
+                                          </p:spTgt>
+                                        </p:tgtEl>
+                                        <p:attrNameLst>
+                                          <p:attrName>ppt_y</p:attrName>
+                                        </p:attrNameLst>
+                                      </p:cBhvr>
+                                      <p:tavLst>
+                                        <p:tav tm="0">
+                                          <p:val>
+                                            <p:strVal val="#ppt_y+.1"/>
+                                          </p:val>
+                                        </p:tav>
+                                        <p:tav tm="100000">
+                                          <p:val>
+                                            <p:strVal val="#ppt_y"/>
+                                          </p:val>
+                                        </p:tav>
+                                      </p:tavLst>
+                                    </p:anim>
+                                  </p:childTnLst>
+                                </p:cTn>
+                              </p:par>
+                              <p:par>
+                                <p:cTn id="66" presetID="42" presetClass="entr" presetSubtype="0" fill="hold" nodeType="withEffect">
+                                  <p:stCondLst>
+                                    <p:cond delay="0"/>
+                                  </p:stCondLst>
+                                  <p:childTnLst>
+                                    <p:set>
+                                      <p:cBhvr>
+                                        <p:cTn id="67" dur="1" fill="hold">
+                                          <p:stCondLst>
+                                            <p:cond delay="0"/>
+                                          </p:stCondLst>
+                                        </p:cTn>
+                                        <p:tgtEl>
+                                          <p:spTgt spid="4"/>
+                                        </p:tgtEl>
+                                        <p:attrNameLst>
+                                          <p:attrName>style.visibility</p:attrName>
+                                        </p:attrNameLst>
+                                      </p:cBhvr>
+                                      <p:to>
+                                        <p:strVal val="visible"/>
+                                      </p:to>
+                                    </p:set>
+                                    <p:animEffect transition="in" filter="fade">
+                                      <p:cBhvr>
+                                        <p:cTn id="68" dur="1000"/>
+                                        <p:tgtEl>
+                                          <p:spTgt spid="4"/>
+                                        </p:tgtEl>
+                                      </p:cBhvr>
+                                    </p:animEffect>
+                                    <p:anim calcmode="lin" valueType="num">
+                                      <p:cBhvr>
+                                        <p:cTn id="69" dur="1000" fill="hold"/>
+                                        <p:tgtEl>
+                                          <p:spTgt spid="4"/>
+                                        </p:tgtEl>
+                                        <p:attrNameLst>
+                                          <p:attrName>ppt_x</p:attrName>
+                                        </p:attrNameLst>
+                                      </p:cBhvr>
+                                      <p:tavLst>
+                                        <p:tav tm="0">
+                                          <p:val>
+                                            <p:strVal val="#ppt_x"/>
+                                          </p:val>
+                                        </p:tav>
+                                        <p:tav tm="100000">
+                                          <p:val>
+                                            <p:strVal val="#ppt_x"/>
+                                          </p:val>
+                                        </p:tav>
+                                      </p:tavLst>
+                                    </p:anim>
+                                    <p:anim calcmode="lin" valueType="num">
+                                      <p:cBhvr>
+                                        <p:cTn id="70" dur="1000" fill="hold"/>
+                                        <p:tgtEl>
+                                          <p:spTgt spid="4"/>
+                                        </p:tgtEl>
+                                        <p:attrNameLst>
+                                          <p:attrName>ppt_y</p:attrName>
+                                        </p:attrNameLst>
+                                      </p:cBhvr>
+                                      <p:tavLst>
+                                        <p:tav tm="0">
+                                          <p:val>
+                                            <p:strVal val="#ppt_y+.1"/>
+                                          </p:val>
+                                        </p:tav>
+                                        <p:tav tm="100000">
+                                          <p:val>
+                                            <p:strVal val="#ppt_y"/>
+                                          </p:val>
+                                        </p:tav>
+                                      </p:tavLst>
+                                    </p:anim>
+                                  </p:childTnLst>
+                                </p:cTn>
+                              </p:par>
+                            </p:childTnLst>
+                          </p:cTn>
+                        </p:par>
+                      </p:childTnLst>
+                    </p:cTn>
+                  </p:par>
+                </p:childTnLst>
+              </p:cTn>
+              <p:prevCondLst>
+                <p:cond evt="onPrev" delay="0">
+                  <p:tgtEl>
+                    <p:sldTgt/>
+                  </p:tgtEl>
+                </p:cond>
+              </p:prevCondLst>
+              <p:nextCondLst>
+                <p:cond evt="onNext" delay="0">
+                  <p:tgtEl>
+                    <p:sldTgt/>
+                  </p:tgtEl>
+                </p:cond>
+              </p:nextCondLst>
+            </p:seq>
+          </p:childTnLst>
+        </p:cTn>
+      </p:par>
+    </p:tnLst>
+    <p:bldLst>
+      <p:bldP spid="3" grpId="0" build="p"/>
+    </p:bldLst>
+  </p:timing>
 </p:sld>
 </file>
 
@@ -10319,6 +12348,496 @@
       </p:transition>
     </mc:Fallback>
   </mc:AlternateContent>
+  <p:timing>
+    <p:tnLst>
+      <p:par>
+        <p:cTn id="1" dur="indefinite" restart="never" nodeType="tmRoot">
+          <p:childTnLst>
+            <p:seq concurrent="1" nextAc="seek">
+              <p:cTn id="2" dur="indefinite" nodeType="mainSeq">
+                <p:childTnLst>
+                  <p:par>
+                    <p:cTn id="3" fill="hold">
+                      <p:stCondLst>
+                        <p:cond delay="indefinite"/>
+                      </p:stCondLst>
+                      <p:childTnLst>
+                        <p:par>
+                          <p:cTn id="4" fill="hold">
+                            <p:stCondLst>
+                              <p:cond delay="0"/>
+                            </p:stCondLst>
+                            <p:childTnLst>
+                              <p:par>
+                                <p:cTn id="5" presetID="42" presetClass="entr" presetSubtype="0" fill="hold" nodeType="clickEffect">
+                                  <p:stCondLst>
+                                    <p:cond delay="0"/>
+                                  </p:stCondLst>
+                                  <p:childTnLst>
+                                    <p:set>
+                                      <p:cBhvr>
+                                        <p:cTn id="6" dur="1" fill="hold">
+                                          <p:stCondLst>
+                                            <p:cond delay="0"/>
+                                          </p:stCondLst>
+                                        </p:cTn>
+                                        <p:tgtEl>
+                                          <p:spTgt spid="3">
+                                            <p:txEl>
+                                              <p:pRg st="0" end="0"/>
+                                            </p:txEl>
+                                          </p:spTgt>
+                                        </p:tgtEl>
+                                        <p:attrNameLst>
+                                          <p:attrName>style.visibility</p:attrName>
+                                        </p:attrNameLst>
+                                      </p:cBhvr>
+                                      <p:to>
+                                        <p:strVal val="visible"/>
+                                      </p:to>
+                                    </p:set>
+                                    <p:animEffect transition="in" filter="fade">
+                                      <p:cBhvr>
+                                        <p:cTn id="7" dur="1000"/>
+                                        <p:tgtEl>
+                                          <p:spTgt spid="3">
+                                            <p:txEl>
+                                              <p:pRg st="0" end="0"/>
+                                            </p:txEl>
+                                          </p:spTgt>
+                                        </p:tgtEl>
+                                      </p:cBhvr>
+                                    </p:animEffect>
+                                    <p:anim calcmode="lin" valueType="num">
+                                      <p:cBhvr>
+                                        <p:cTn id="8" dur="1000" fill="hold"/>
+                                        <p:tgtEl>
+                                          <p:spTgt spid="3">
+                                            <p:txEl>
+                                              <p:pRg st="0" end="0"/>
+                                            </p:txEl>
+                                          </p:spTgt>
+                                        </p:tgtEl>
+                                        <p:attrNameLst>
+                                          <p:attrName>ppt_x</p:attrName>
+                                        </p:attrNameLst>
+                                      </p:cBhvr>
+                                      <p:tavLst>
+                                        <p:tav tm="0">
+                                          <p:val>
+                                            <p:strVal val="#ppt_x"/>
+                                          </p:val>
+                                        </p:tav>
+                                        <p:tav tm="100000">
+                                          <p:val>
+                                            <p:strVal val="#ppt_x"/>
+                                          </p:val>
+                                        </p:tav>
+                                      </p:tavLst>
+                                    </p:anim>
+                                    <p:anim calcmode="lin" valueType="num">
+                                      <p:cBhvr>
+                                        <p:cTn id="9" dur="1000" fill="hold"/>
+                                        <p:tgtEl>
+                                          <p:spTgt spid="3">
+                                            <p:txEl>
+                                              <p:pRg st="0" end="0"/>
+                                            </p:txEl>
+                                          </p:spTgt>
+                                        </p:tgtEl>
+                                        <p:attrNameLst>
+                                          <p:attrName>ppt_y</p:attrName>
+                                        </p:attrNameLst>
+                                      </p:cBhvr>
+                                      <p:tavLst>
+                                        <p:tav tm="0">
+                                          <p:val>
+                                            <p:strVal val="#ppt_y+.1"/>
+                                          </p:val>
+                                        </p:tav>
+                                        <p:tav tm="100000">
+                                          <p:val>
+                                            <p:strVal val="#ppt_y"/>
+                                          </p:val>
+                                        </p:tav>
+                                      </p:tavLst>
+                                    </p:anim>
+                                  </p:childTnLst>
+                                </p:cTn>
+                              </p:par>
+                            </p:childTnLst>
+                          </p:cTn>
+                        </p:par>
+                      </p:childTnLst>
+                    </p:cTn>
+                  </p:par>
+                  <p:par>
+                    <p:cTn id="10" fill="hold">
+                      <p:stCondLst>
+                        <p:cond delay="indefinite"/>
+                      </p:stCondLst>
+                      <p:childTnLst>
+                        <p:par>
+                          <p:cTn id="11" fill="hold">
+                            <p:stCondLst>
+                              <p:cond delay="0"/>
+                            </p:stCondLst>
+                            <p:childTnLst>
+                              <p:par>
+                                <p:cTn id="12" presetID="42" presetClass="entr" presetSubtype="0" fill="hold" nodeType="clickEffect">
+                                  <p:stCondLst>
+                                    <p:cond delay="0"/>
+                                  </p:stCondLst>
+                                  <p:childTnLst>
+                                    <p:set>
+                                      <p:cBhvr>
+                                        <p:cTn id="13" dur="1" fill="hold">
+                                          <p:stCondLst>
+                                            <p:cond delay="0"/>
+                                          </p:stCondLst>
+                                        </p:cTn>
+                                        <p:tgtEl>
+                                          <p:spTgt spid="3">
+                                            <p:txEl>
+                                              <p:pRg st="1" end="1"/>
+                                            </p:txEl>
+                                          </p:spTgt>
+                                        </p:tgtEl>
+                                        <p:attrNameLst>
+                                          <p:attrName>style.visibility</p:attrName>
+                                        </p:attrNameLst>
+                                      </p:cBhvr>
+                                      <p:to>
+                                        <p:strVal val="visible"/>
+                                      </p:to>
+                                    </p:set>
+                                    <p:animEffect transition="in" filter="fade">
+                                      <p:cBhvr>
+                                        <p:cTn id="14" dur="1000"/>
+                                        <p:tgtEl>
+                                          <p:spTgt spid="3">
+                                            <p:txEl>
+                                              <p:pRg st="1" end="1"/>
+                                            </p:txEl>
+                                          </p:spTgt>
+                                        </p:tgtEl>
+                                      </p:cBhvr>
+                                    </p:animEffect>
+                                    <p:anim calcmode="lin" valueType="num">
+                                      <p:cBhvr>
+                                        <p:cTn id="15" dur="1000" fill="hold"/>
+                                        <p:tgtEl>
+                                          <p:spTgt spid="3">
+                                            <p:txEl>
+                                              <p:pRg st="1" end="1"/>
+                                            </p:txEl>
+                                          </p:spTgt>
+                                        </p:tgtEl>
+                                        <p:attrNameLst>
+                                          <p:attrName>ppt_x</p:attrName>
+                                        </p:attrNameLst>
+                                      </p:cBhvr>
+                                      <p:tavLst>
+                                        <p:tav tm="0">
+                                          <p:val>
+                                            <p:strVal val="#ppt_x"/>
+                                          </p:val>
+                                        </p:tav>
+                                        <p:tav tm="100000">
+                                          <p:val>
+                                            <p:strVal val="#ppt_x"/>
+                                          </p:val>
+                                        </p:tav>
+                                      </p:tavLst>
+                                    </p:anim>
+                                    <p:anim calcmode="lin" valueType="num">
+                                      <p:cBhvr>
+                                        <p:cTn id="16" dur="1000" fill="hold"/>
+                                        <p:tgtEl>
+                                          <p:spTgt spid="3">
+                                            <p:txEl>
+                                              <p:pRg st="1" end="1"/>
+                                            </p:txEl>
+                                          </p:spTgt>
+                                        </p:tgtEl>
+                                        <p:attrNameLst>
+                                          <p:attrName>ppt_y</p:attrName>
+                                        </p:attrNameLst>
+                                      </p:cBhvr>
+                                      <p:tavLst>
+                                        <p:tav tm="0">
+                                          <p:val>
+                                            <p:strVal val="#ppt_y+.1"/>
+                                          </p:val>
+                                        </p:tav>
+                                        <p:tav tm="100000">
+                                          <p:val>
+                                            <p:strVal val="#ppt_y"/>
+                                          </p:val>
+                                        </p:tav>
+                                      </p:tavLst>
+                                    </p:anim>
+                                  </p:childTnLst>
+                                </p:cTn>
+                              </p:par>
+                            </p:childTnLst>
+                          </p:cTn>
+                        </p:par>
+                      </p:childTnLst>
+                    </p:cTn>
+                  </p:par>
+                  <p:par>
+                    <p:cTn id="17" fill="hold">
+                      <p:stCondLst>
+                        <p:cond delay="indefinite"/>
+                      </p:stCondLst>
+                      <p:childTnLst>
+                        <p:par>
+                          <p:cTn id="18" fill="hold">
+                            <p:stCondLst>
+                              <p:cond delay="0"/>
+                            </p:stCondLst>
+                            <p:childTnLst>
+                              <p:par>
+                                <p:cTn id="19" presetID="42" presetClass="entr" presetSubtype="0" fill="hold" nodeType="clickEffect">
+                                  <p:stCondLst>
+                                    <p:cond delay="0"/>
+                                  </p:stCondLst>
+                                  <p:childTnLst>
+                                    <p:set>
+                                      <p:cBhvr>
+                                        <p:cTn id="20" dur="1" fill="hold">
+                                          <p:stCondLst>
+                                            <p:cond delay="0"/>
+                                          </p:stCondLst>
+                                        </p:cTn>
+                                        <p:tgtEl>
+                                          <p:spTgt spid="3">
+                                            <p:txEl>
+                                              <p:pRg st="2" end="2"/>
+                                            </p:txEl>
+                                          </p:spTgt>
+                                        </p:tgtEl>
+                                        <p:attrNameLst>
+                                          <p:attrName>style.visibility</p:attrName>
+                                        </p:attrNameLst>
+                                      </p:cBhvr>
+                                      <p:to>
+                                        <p:strVal val="visible"/>
+                                      </p:to>
+                                    </p:set>
+                                    <p:animEffect transition="in" filter="fade">
+                                      <p:cBhvr>
+                                        <p:cTn id="21" dur="1000"/>
+                                        <p:tgtEl>
+                                          <p:spTgt spid="3">
+                                            <p:txEl>
+                                              <p:pRg st="2" end="2"/>
+                                            </p:txEl>
+                                          </p:spTgt>
+                                        </p:tgtEl>
+                                      </p:cBhvr>
+                                    </p:animEffect>
+                                    <p:anim calcmode="lin" valueType="num">
+                                      <p:cBhvr>
+                                        <p:cTn id="22" dur="1000" fill="hold"/>
+                                        <p:tgtEl>
+                                          <p:spTgt spid="3">
+                                            <p:txEl>
+                                              <p:pRg st="2" end="2"/>
+                                            </p:txEl>
+                                          </p:spTgt>
+                                        </p:tgtEl>
+                                        <p:attrNameLst>
+                                          <p:attrName>ppt_x</p:attrName>
+                                        </p:attrNameLst>
+                                      </p:cBhvr>
+                                      <p:tavLst>
+                                        <p:tav tm="0">
+                                          <p:val>
+                                            <p:strVal val="#ppt_x"/>
+                                          </p:val>
+                                        </p:tav>
+                                        <p:tav tm="100000">
+                                          <p:val>
+                                            <p:strVal val="#ppt_x"/>
+                                          </p:val>
+                                        </p:tav>
+                                      </p:tavLst>
+                                    </p:anim>
+                                    <p:anim calcmode="lin" valueType="num">
+                                      <p:cBhvr>
+                                        <p:cTn id="23" dur="1000" fill="hold"/>
+                                        <p:tgtEl>
+                                          <p:spTgt spid="3">
+                                            <p:txEl>
+                                              <p:pRg st="2" end="2"/>
+                                            </p:txEl>
+                                          </p:spTgt>
+                                        </p:tgtEl>
+                                        <p:attrNameLst>
+                                          <p:attrName>ppt_y</p:attrName>
+                                        </p:attrNameLst>
+                                      </p:cBhvr>
+                                      <p:tavLst>
+                                        <p:tav tm="0">
+                                          <p:val>
+                                            <p:strVal val="#ppt_y+.1"/>
+                                          </p:val>
+                                        </p:tav>
+                                        <p:tav tm="100000">
+                                          <p:val>
+                                            <p:strVal val="#ppt_y"/>
+                                          </p:val>
+                                        </p:tav>
+                                      </p:tavLst>
+                                    </p:anim>
+                                  </p:childTnLst>
+                                </p:cTn>
+                              </p:par>
+                            </p:childTnLst>
+                          </p:cTn>
+                        </p:par>
+                      </p:childTnLst>
+                    </p:cTn>
+                  </p:par>
+                  <p:par>
+                    <p:cTn id="24" fill="hold">
+                      <p:stCondLst>
+                        <p:cond delay="indefinite"/>
+                      </p:stCondLst>
+                      <p:childTnLst>
+                        <p:par>
+                          <p:cTn id="25" fill="hold">
+                            <p:stCondLst>
+                              <p:cond delay="0"/>
+                            </p:stCondLst>
+                            <p:childTnLst>
+                              <p:par>
+                                <p:cTn id="26" presetID="42" presetClass="entr" presetSubtype="0" fill="hold" nodeType="clickEffect">
+                                  <p:stCondLst>
+                                    <p:cond delay="0"/>
+                                  </p:stCondLst>
+                                  <p:childTnLst>
+                                    <p:set>
+                                      <p:cBhvr>
+                                        <p:cTn id="27" dur="1" fill="hold">
+                                          <p:stCondLst>
+                                            <p:cond delay="0"/>
+                                          </p:stCondLst>
+                                        </p:cTn>
+                                        <p:tgtEl>
+                                          <p:spTgt spid="3">
+                                            <p:txEl>
+                                              <p:pRg st="3" end="3"/>
+                                            </p:txEl>
+                                          </p:spTgt>
+                                        </p:tgtEl>
+                                        <p:attrNameLst>
+                                          <p:attrName>style.visibility</p:attrName>
+                                        </p:attrNameLst>
+                                      </p:cBhvr>
+                                      <p:to>
+                                        <p:strVal val="visible"/>
+                                      </p:to>
+                                    </p:set>
+                                    <p:animEffect transition="in" filter="fade">
+                                      <p:cBhvr>
+                                        <p:cTn id="28" dur="1000"/>
+                                        <p:tgtEl>
+                                          <p:spTgt spid="3">
+                                            <p:txEl>
+                                              <p:pRg st="3" end="3"/>
+                                            </p:txEl>
+                                          </p:spTgt>
+                                        </p:tgtEl>
+                                      </p:cBhvr>
+                                    </p:animEffect>
+                                    <p:anim calcmode="lin" valueType="num">
+                                      <p:cBhvr>
+                                        <p:cTn id="29" dur="1000" fill="hold"/>
+                                        <p:tgtEl>
+                                          <p:spTgt spid="3">
+                                            <p:txEl>
+                                              <p:pRg st="3" end="3"/>
+                                            </p:txEl>
+                                          </p:spTgt>
+                                        </p:tgtEl>
+                                        <p:attrNameLst>
+                                          <p:attrName>ppt_x</p:attrName>
+                                        </p:attrNameLst>
+                                      </p:cBhvr>
+                                      <p:tavLst>
+                                        <p:tav tm="0">
+                                          <p:val>
+                                            <p:strVal val="#ppt_x"/>
+                                          </p:val>
+                                        </p:tav>
+                                        <p:tav tm="100000">
+                                          <p:val>
+                                            <p:strVal val="#ppt_x"/>
+                                          </p:val>
+                                        </p:tav>
+                                      </p:tavLst>
+                                    </p:anim>
+                                    <p:anim calcmode="lin" valueType="num">
+                                      <p:cBhvr>
+                                        <p:cTn id="30" dur="1000" fill="hold"/>
+                                        <p:tgtEl>
+                                          <p:spTgt spid="3">
+                                            <p:txEl>
+                                              <p:pRg st="3" end="3"/>
+                                            </p:txEl>
+                                          </p:spTgt>
+                                        </p:tgtEl>
+                                        <p:attrNameLst>
+                                          <p:attrName>ppt_y</p:attrName>
+                                        </p:attrNameLst>
+                                      </p:cBhvr>
+                                      <p:tavLst>
+                                        <p:tav tm="0">
+                                          <p:val>
+                                            <p:strVal val="#ppt_y+.1"/>
+                                          </p:val>
+                                        </p:tav>
+                                        <p:tav tm="100000">
+                                          <p:val>
+                                            <p:strVal val="#ppt_y"/>
+                                          </p:val>
+                                        </p:tav>
+                                      </p:tavLst>
+                                    </p:anim>
+                                  </p:childTnLst>
+                                </p:cTn>
+                              </p:par>
+                            </p:childTnLst>
+                          </p:cTn>
+                        </p:par>
+                      </p:childTnLst>
+                    </p:cTn>
+                  </p:par>
+                </p:childTnLst>
+              </p:cTn>
+              <p:prevCondLst>
+                <p:cond evt="onPrev" delay="0">
+                  <p:tgtEl>
+                    <p:sldTgt/>
+                  </p:tgtEl>
+                </p:cond>
+              </p:prevCondLst>
+              <p:nextCondLst>
+                <p:cond evt="onNext" delay="0">
+                  <p:tgtEl>
+                    <p:sldTgt/>
+                  </p:tgtEl>
+                </p:cond>
+              </p:nextCondLst>
+            </p:seq>
+          </p:childTnLst>
+        </p:cTn>
+      </p:par>
+    </p:tnLst>
+  </p:timing>
 </p:sld>
 </file>
 
@@ -11679,6 +14198,851 @@
       </p:transition>
     </mc:Fallback>
   </mc:AlternateContent>
+  <p:timing>
+    <p:tnLst>
+      <p:par>
+        <p:cTn id="1" dur="indefinite" restart="never" nodeType="tmRoot">
+          <p:childTnLst>
+            <p:seq concurrent="1" nextAc="seek">
+              <p:cTn id="2" dur="indefinite" nodeType="mainSeq">
+                <p:childTnLst>
+                  <p:par>
+                    <p:cTn id="3" fill="hold">
+                      <p:stCondLst>
+                        <p:cond delay="indefinite"/>
+                      </p:stCondLst>
+                      <p:childTnLst>
+                        <p:par>
+                          <p:cTn id="4" fill="hold">
+                            <p:stCondLst>
+                              <p:cond delay="0"/>
+                            </p:stCondLst>
+                            <p:childTnLst>
+                              <p:par>
+                                <p:cTn id="5" presetID="42" presetClass="entr" presetSubtype="0" fill="hold" nodeType="clickEffect">
+                                  <p:stCondLst>
+                                    <p:cond delay="0"/>
+                                  </p:stCondLst>
+                                  <p:childTnLst>
+                                    <p:set>
+                                      <p:cBhvr>
+                                        <p:cTn id="6" dur="1" fill="hold">
+                                          <p:stCondLst>
+                                            <p:cond delay="0"/>
+                                          </p:stCondLst>
+                                        </p:cTn>
+                                        <p:tgtEl>
+                                          <p:spTgt spid="3">
+                                            <p:txEl>
+                                              <p:pRg st="0" end="0"/>
+                                            </p:txEl>
+                                          </p:spTgt>
+                                        </p:tgtEl>
+                                        <p:attrNameLst>
+                                          <p:attrName>style.visibility</p:attrName>
+                                        </p:attrNameLst>
+                                      </p:cBhvr>
+                                      <p:to>
+                                        <p:strVal val="visible"/>
+                                      </p:to>
+                                    </p:set>
+                                    <p:animEffect transition="in" filter="fade">
+                                      <p:cBhvr>
+                                        <p:cTn id="7" dur="1000"/>
+                                        <p:tgtEl>
+                                          <p:spTgt spid="3">
+                                            <p:txEl>
+                                              <p:pRg st="0" end="0"/>
+                                            </p:txEl>
+                                          </p:spTgt>
+                                        </p:tgtEl>
+                                      </p:cBhvr>
+                                    </p:animEffect>
+                                    <p:anim calcmode="lin" valueType="num">
+                                      <p:cBhvr>
+                                        <p:cTn id="8" dur="1000" fill="hold"/>
+                                        <p:tgtEl>
+                                          <p:spTgt spid="3">
+                                            <p:txEl>
+                                              <p:pRg st="0" end="0"/>
+                                            </p:txEl>
+                                          </p:spTgt>
+                                        </p:tgtEl>
+                                        <p:attrNameLst>
+                                          <p:attrName>ppt_x</p:attrName>
+                                        </p:attrNameLst>
+                                      </p:cBhvr>
+                                      <p:tavLst>
+                                        <p:tav tm="0">
+                                          <p:val>
+                                            <p:strVal val="#ppt_x"/>
+                                          </p:val>
+                                        </p:tav>
+                                        <p:tav tm="100000">
+                                          <p:val>
+                                            <p:strVal val="#ppt_x"/>
+                                          </p:val>
+                                        </p:tav>
+                                      </p:tavLst>
+                                    </p:anim>
+                                    <p:anim calcmode="lin" valueType="num">
+                                      <p:cBhvr>
+                                        <p:cTn id="9" dur="1000" fill="hold"/>
+                                        <p:tgtEl>
+                                          <p:spTgt spid="3">
+                                            <p:txEl>
+                                              <p:pRg st="0" end="0"/>
+                                            </p:txEl>
+                                          </p:spTgt>
+                                        </p:tgtEl>
+                                        <p:attrNameLst>
+                                          <p:attrName>ppt_y</p:attrName>
+                                        </p:attrNameLst>
+                                      </p:cBhvr>
+                                      <p:tavLst>
+                                        <p:tav tm="0">
+                                          <p:val>
+                                            <p:strVal val="#ppt_y+.1"/>
+                                          </p:val>
+                                        </p:tav>
+                                        <p:tav tm="100000">
+                                          <p:val>
+                                            <p:strVal val="#ppt_y"/>
+                                          </p:val>
+                                        </p:tav>
+                                      </p:tavLst>
+                                    </p:anim>
+                                  </p:childTnLst>
+                                </p:cTn>
+                              </p:par>
+                            </p:childTnLst>
+                          </p:cTn>
+                        </p:par>
+                      </p:childTnLst>
+                    </p:cTn>
+                  </p:par>
+                  <p:par>
+                    <p:cTn id="10" fill="hold">
+                      <p:stCondLst>
+                        <p:cond delay="indefinite"/>
+                      </p:stCondLst>
+                      <p:childTnLst>
+                        <p:par>
+                          <p:cTn id="11" fill="hold">
+                            <p:stCondLst>
+                              <p:cond delay="0"/>
+                            </p:stCondLst>
+                            <p:childTnLst>
+                              <p:par>
+                                <p:cTn id="12" presetID="42" presetClass="entr" presetSubtype="0" fill="hold" nodeType="clickEffect">
+                                  <p:stCondLst>
+                                    <p:cond delay="0"/>
+                                  </p:stCondLst>
+                                  <p:childTnLst>
+                                    <p:set>
+                                      <p:cBhvr>
+                                        <p:cTn id="13" dur="1" fill="hold">
+                                          <p:stCondLst>
+                                            <p:cond delay="0"/>
+                                          </p:stCondLst>
+                                        </p:cTn>
+                                        <p:tgtEl>
+                                          <p:spTgt spid="4">
+                                            <p:txEl>
+                                              <p:pRg st="0" end="0"/>
+                                            </p:txEl>
+                                          </p:spTgt>
+                                        </p:tgtEl>
+                                        <p:attrNameLst>
+                                          <p:attrName>style.visibility</p:attrName>
+                                        </p:attrNameLst>
+                                      </p:cBhvr>
+                                      <p:to>
+                                        <p:strVal val="visible"/>
+                                      </p:to>
+                                    </p:set>
+                                    <p:animEffect transition="in" filter="fade">
+                                      <p:cBhvr>
+                                        <p:cTn id="14" dur="1000"/>
+                                        <p:tgtEl>
+                                          <p:spTgt spid="4">
+                                            <p:txEl>
+                                              <p:pRg st="0" end="0"/>
+                                            </p:txEl>
+                                          </p:spTgt>
+                                        </p:tgtEl>
+                                      </p:cBhvr>
+                                    </p:animEffect>
+                                    <p:anim calcmode="lin" valueType="num">
+                                      <p:cBhvr>
+                                        <p:cTn id="15" dur="1000" fill="hold"/>
+                                        <p:tgtEl>
+                                          <p:spTgt spid="4">
+                                            <p:txEl>
+                                              <p:pRg st="0" end="0"/>
+                                            </p:txEl>
+                                          </p:spTgt>
+                                        </p:tgtEl>
+                                        <p:attrNameLst>
+                                          <p:attrName>ppt_x</p:attrName>
+                                        </p:attrNameLst>
+                                      </p:cBhvr>
+                                      <p:tavLst>
+                                        <p:tav tm="0">
+                                          <p:val>
+                                            <p:strVal val="#ppt_x"/>
+                                          </p:val>
+                                        </p:tav>
+                                        <p:tav tm="100000">
+                                          <p:val>
+                                            <p:strVal val="#ppt_x"/>
+                                          </p:val>
+                                        </p:tav>
+                                      </p:tavLst>
+                                    </p:anim>
+                                    <p:anim calcmode="lin" valueType="num">
+                                      <p:cBhvr>
+                                        <p:cTn id="16" dur="1000" fill="hold"/>
+                                        <p:tgtEl>
+                                          <p:spTgt spid="4">
+                                            <p:txEl>
+                                              <p:pRg st="0" end="0"/>
+                                            </p:txEl>
+                                          </p:spTgt>
+                                        </p:tgtEl>
+                                        <p:attrNameLst>
+                                          <p:attrName>ppt_y</p:attrName>
+                                        </p:attrNameLst>
+                                      </p:cBhvr>
+                                      <p:tavLst>
+                                        <p:tav tm="0">
+                                          <p:val>
+                                            <p:strVal val="#ppt_y+.1"/>
+                                          </p:val>
+                                        </p:tav>
+                                        <p:tav tm="100000">
+                                          <p:val>
+                                            <p:strVal val="#ppt_y"/>
+                                          </p:val>
+                                        </p:tav>
+                                      </p:tavLst>
+                                    </p:anim>
+                                  </p:childTnLst>
+                                </p:cTn>
+                              </p:par>
+                              <p:par>
+                                <p:cTn id="17" presetID="42" presetClass="entr" presetSubtype="0" fill="hold" nodeType="withEffect">
+                                  <p:stCondLst>
+                                    <p:cond delay="0"/>
+                                  </p:stCondLst>
+                                  <p:childTnLst>
+                                    <p:set>
+                                      <p:cBhvr>
+                                        <p:cTn id="18" dur="1" fill="hold">
+                                          <p:stCondLst>
+                                            <p:cond delay="0"/>
+                                          </p:stCondLst>
+                                        </p:cTn>
+                                        <p:tgtEl>
+                                          <p:spTgt spid="4">
+                                            <p:txEl>
+                                              <p:pRg st="1" end="1"/>
+                                            </p:txEl>
+                                          </p:spTgt>
+                                        </p:tgtEl>
+                                        <p:attrNameLst>
+                                          <p:attrName>style.visibility</p:attrName>
+                                        </p:attrNameLst>
+                                      </p:cBhvr>
+                                      <p:to>
+                                        <p:strVal val="visible"/>
+                                      </p:to>
+                                    </p:set>
+                                    <p:animEffect transition="in" filter="fade">
+                                      <p:cBhvr>
+                                        <p:cTn id="19" dur="1000"/>
+                                        <p:tgtEl>
+                                          <p:spTgt spid="4">
+                                            <p:txEl>
+                                              <p:pRg st="1" end="1"/>
+                                            </p:txEl>
+                                          </p:spTgt>
+                                        </p:tgtEl>
+                                      </p:cBhvr>
+                                    </p:animEffect>
+                                    <p:anim calcmode="lin" valueType="num">
+                                      <p:cBhvr>
+                                        <p:cTn id="20" dur="1000" fill="hold"/>
+                                        <p:tgtEl>
+                                          <p:spTgt spid="4">
+                                            <p:txEl>
+                                              <p:pRg st="1" end="1"/>
+                                            </p:txEl>
+                                          </p:spTgt>
+                                        </p:tgtEl>
+                                        <p:attrNameLst>
+                                          <p:attrName>ppt_x</p:attrName>
+                                        </p:attrNameLst>
+                                      </p:cBhvr>
+                                      <p:tavLst>
+                                        <p:tav tm="0">
+                                          <p:val>
+                                            <p:strVal val="#ppt_x"/>
+                                          </p:val>
+                                        </p:tav>
+                                        <p:tav tm="100000">
+                                          <p:val>
+                                            <p:strVal val="#ppt_x"/>
+                                          </p:val>
+                                        </p:tav>
+                                      </p:tavLst>
+                                    </p:anim>
+                                    <p:anim calcmode="lin" valueType="num">
+                                      <p:cBhvr>
+                                        <p:cTn id="21" dur="1000" fill="hold"/>
+                                        <p:tgtEl>
+                                          <p:spTgt spid="4">
+                                            <p:txEl>
+                                              <p:pRg st="1" end="1"/>
+                                            </p:txEl>
+                                          </p:spTgt>
+                                        </p:tgtEl>
+                                        <p:attrNameLst>
+                                          <p:attrName>ppt_y</p:attrName>
+                                        </p:attrNameLst>
+                                      </p:cBhvr>
+                                      <p:tavLst>
+                                        <p:tav tm="0">
+                                          <p:val>
+                                            <p:strVal val="#ppt_y+.1"/>
+                                          </p:val>
+                                        </p:tav>
+                                        <p:tav tm="100000">
+                                          <p:val>
+                                            <p:strVal val="#ppt_y"/>
+                                          </p:val>
+                                        </p:tav>
+                                      </p:tavLst>
+                                    </p:anim>
+                                  </p:childTnLst>
+                                </p:cTn>
+                              </p:par>
+                              <p:par>
+                                <p:cTn id="22" presetID="42" presetClass="entr" presetSubtype="0" fill="hold" nodeType="withEffect">
+                                  <p:stCondLst>
+                                    <p:cond delay="0"/>
+                                  </p:stCondLst>
+                                  <p:childTnLst>
+                                    <p:set>
+                                      <p:cBhvr>
+                                        <p:cTn id="23" dur="1" fill="hold">
+                                          <p:stCondLst>
+                                            <p:cond delay="0"/>
+                                          </p:stCondLst>
+                                        </p:cTn>
+                                        <p:tgtEl>
+                                          <p:spTgt spid="4">
+                                            <p:txEl>
+                                              <p:pRg st="2" end="2"/>
+                                            </p:txEl>
+                                          </p:spTgt>
+                                        </p:tgtEl>
+                                        <p:attrNameLst>
+                                          <p:attrName>style.visibility</p:attrName>
+                                        </p:attrNameLst>
+                                      </p:cBhvr>
+                                      <p:to>
+                                        <p:strVal val="visible"/>
+                                      </p:to>
+                                    </p:set>
+                                    <p:animEffect transition="in" filter="fade">
+                                      <p:cBhvr>
+                                        <p:cTn id="24" dur="1000"/>
+                                        <p:tgtEl>
+                                          <p:spTgt spid="4">
+                                            <p:txEl>
+                                              <p:pRg st="2" end="2"/>
+                                            </p:txEl>
+                                          </p:spTgt>
+                                        </p:tgtEl>
+                                      </p:cBhvr>
+                                    </p:animEffect>
+                                    <p:anim calcmode="lin" valueType="num">
+                                      <p:cBhvr>
+                                        <p:cTn id="25" dur="1000" fill="hold"/>
+                                        <p:tgtEl>
+                                          <p:spTgt spid="4">
+                                            <p:txEl>
+                                              <p:pRg st="2" end="2"/>
+                                            </p:txEl>
+                                          </p:spTgt>
+                                        </p:tgtEl>
+                                        <p:attrNameLst>
+                                          <p:attrName>ppt_x</p:attrName>
+                                        </p:attrNameLst>
+                                      </p:cBhvr>
+                                      <p:tavLst>
+                                        <p:tav tm="0">
+                                          <p:val>
+                                            <p:strVal val="#ppt_x"/>
+                                          </p:val>
+                                        </p:tav>
+                                        <p:tav tm="100000">
+                                          <p:val>
+                                            <p:strVal val="#ppt_x"/>
+                                          </p:val>
+                                        </p:tav>
+                                      </p:tavLst>
+                                    </p:anim>
+                                    <p:anim calcmode="lin" valueType="num">
+                                      <p:cBhvr>
+                                        <p:cTn id="26" dur="1000" fill="hold"/>
+                                        <p:tgtEl>
+                                          <p:spTgt spid="4">
+                                            <p:txEl>
+                                              <p:pRg st="2" end="2"/>
+                                            </p:txEl>
+                                          </p:spTgt>
+                                        </p:tgtEl>
+                                        <p:attrNameLst>
+                                          <p:attrName>ppt_y</p:attrName>
+                                        </p:attrNameLst>
+                                      </p:cBhvr>
+                                      <p:tavLst>
+                                        <p:tav tm="0">
+                                          <p:val>
+                                            <p:strVal val="#ppt_y+.1"/>
+                                          </p:val>
+                                        </p:tav>
+                                        <p:tav tm="100000">
+                                          <p:val>
+                                            <p:strVal val="#ppt_y"/>
+                                          </p:val>
+                                        </p:tav>
+                                      </p:tavLst>
+                                    </p:anim>
+                                  </p:childTnLst>
+                                </p:cTn>
+                              </p:par>
+                              <p:par>
+                                <p:cTn id="27" presetID="42" presetClass="entr" presetSubtype="0" fill="hold" nodeType="withEffect">
+                                  <p:stCondLst>
+                                    <p:cond delay="0"/>
+                                  </p:stCondLst>
+                                  <p:childTnLst>
+                                    <p:set>
+                                      <p:cBhvr>
+                                        <p:cTn id="28" dur="1" fill="hold">
+                                          <p:stCondLst>
+                                            <p:cond delay="0"/>
+                                          </p:stCondLst>
+                                        </p:cTn>
+                                        <p:tgtEl>
+                                          <p:spTgt spid="4">
+                                            <p:txEl>
+                                              <p:pRg st="3" end="3"/>
+                                            </p:txEl>
+                                          </p:spTgt>
+                                        </p:tgtEl>
+                                        <p:attrNameLst>
+                                          <p:attrName>style.visibility</p:attrName>
+                                        </p:attrNameLst>
+                                      </p:cBhvr>
+                                      <p:to>
+                                        <p:strVal val="visible"/>
+                                      </p:to>
+                                    </p:set>
+                                    <p:animEffect transition="in" filter="fade">
+                                      <p:cBhvr>
+                                        <p:cTn id="29" dur="1000"/>
+                                        <p:tgtEl>
+                                          <p:spTgt spid="4">
+                                            <p:txEl>
+                                              <p:pRg st="3" end="3"/>
+                                            </p:txEl>
+                                          </p:spTgt>
+                                        </p:tgtEl>
+                                      </p:cBhvr>
+                                    </p:animEffect>
+                                    <p:anim calcmode="lin" valueType="num">
+                                      <p:cBhvr>
+                                        <p:cTn id="30" dur="1000" fill="hold"/>
+                                        <p:tgtEl>
+                                          <p:spTgt spid="4">
+                                            <p:txEl>
+                                              <p:pRg st="3" end="3"/>
+                                            </p:txEl>
+                                          </p:spTgt>
+                                        </p:tgtEl>
+                                        <p:attrNameLst>
+                                          <p:attrName>ppt_x</p:attrName>
+                                        </p:attrNameLst>
+                                      </p:cBhvr>
+                                      <p:tavLst>
+                                        <p:tav tm="0">
+                                          <p:val>
+                                            <p:strVal val="#ppt_x"/>
+                                          </p:val>
+                                        </p:tav>
+                                        <p:tav tm="100000">
+                                          <p:val>
+                                            <p:strVal val="#ppt_x"/>
+                                          </p:val>
+                                        </p:tav>
+                                      </p:tavLst>
+                                    </p:anim>
+                                    <p:anim calcmode="lin" valueType="num">
+                                      <p:cBhvr>
+                                        <p:cTn id="31" dur="1000" fill="hold"/>
+                                        <p:tgtEl>
+                                          <p:spTgt spid="4">
+                                            <p:txEl>
+                                              <p:pRg st="3" end="3"/>
+                                            </p:txEl>
+                                          </p:spTgt>
+                                        </p:tgtEl>
+                                        <p:attrNameLst>
+                                          <p:attrName>ppt_y</p:attrName>
+                                        </p:attrNameLst>
+                                      </p:cBhvr>
+                                      <p:tavLst>
+                                        <p:tav tm="0">
+                                          <p:val>
+                                            <p:strVal val="#ppt_y+.1"/>
+                                          </p:val>
+                                        </p:tav>
+                                        <p:tav tm="100000">
+                                          <p:val>
+                                            <p:strVal val="#ppt_y"/>
+                                          </p:val>
+                                        </p:tav>
+                                      </p:tavLst>
+                                    </p:anim>
+                                  </p:childTnLst>
+                                </p:cTn>
+                              </p:par>
+                            </p:childTnLst>
+                          </p:cTn>
+                        </p:par>
+                      </p:childTnLst>
+                    </p:cTn>
+                  </p:par>
+                  <p:par>
+                    <p:cTn id="32" fill="hold">
+                      <p:stCondLst>
+                        <p:cond delay="indefinite"/>
+                      </p:stCondLst>
+                      <p:childTnLst>
+                        <p:par>
+                          <p:cTn id="33" fill="hold">
+                            <p:stCondLst>
+                              <p:cond delay="0"/>
+                            </p:stCondLst>
+                            <p:childTnLst>
+                              <p:par>
+                                <p:cTn id="34" presetID="42" presetClass="entr" presetSubtype="0" fill="hold" grpId="0" nodeType="clickEffect">
+                                  <p:stCondLst>
+                                    <p:cond delay="0"/>
+                                  </p:stCondLst>
+                                  <p:childTnLst>
+                                    <p:set>
+                                      <p:cBhvr>
+                                        <p:cTn id="35" dur="1" fill="hold">
+                                          <p:stCondLst>
+                                            <p:cond delay="0"/>
+                                          </p:stCondLst>
+                                        </p:cTn>
+                                        <p:tgtEl>
+                                          <p:spTgt spid="5"/>
+                                        </p:tgtEl>
+                                        <p:attrNameLst>
+                                          <p:attrName>style.visibility</p:attrName>
+                                        </p:attrNameLst>
+                                      </p:cBhvr>
+                                      <p:to>
+                                        <p:strVal val="visible"/>
+                                      </p:to>
+                                    </p:set>
+                                    <p:animEffect transition="in" filter="fade">
+                                      <p:cBhvr>
+                                        <p:cTn id="36" dur="1000"/>
+                                        <p:tgtEl>
+                                          <p:spTgt spid="5"/>
+                                        </p:tgtEl>
+                                      </p:cBhvr>
+                                    </p:animEffect>
+                                    <p:anim calcmode="lin" valueType="num">
+                                      <p:cBhvr>
+                                        <p:cTn id="37" dur="1000" fill="hold"/>
+                                        <p:tgtEl>
+                                          <p:spTgt spid="5"/>
+                                        </p:tgtEl>
+                                        <p:attrNameLst>
+                                          <p:attrName>ppt_x</p:attrName>
+                                        </p:attrNameLst>
+                                      </p:cBhvr>
+                                      <p:tavLst>
+                                        <p:tav tm="0">
+                                          <p:val>
+                                            <p:strVal val="#ppt_x"/>
+                                          </p:val>
+                                        </p:tav>
+                                        <p:tav tm="100000">
+                                          <p:val>
+                                            <p:strVal val="#ppt_x"/>
+                                          </p:val>
+                                        </p:tav>
+                                      </p:tavLst>
+                                    </p:anim>
+                                    <p:anim calcmode="lin" valueType="num">
+                                      <p:cBhvr>
+                                        <p:cTn id="38" dur="1000" fill="hold"/>
+                                        <p:tgtEl>
+                                          <p:spTgt spid="5"/>
+                                        </p:tgtEl>
+                                        <p:attrNameLst>
+                                          <p:attrName>ppt_y</p:attrName>
+                                        </p:attrNameLst>
+                                      </p:cBhvr>
+                                      <p:tavLst>
+                                        <p:tav tm="0">
+                                          <p:val>
+                                            <p:strVal val="#ppt_y+.1"/>
+                                          </p:val>
+                                        </p:tav>
+                                        <p:tav tm="100000">
+                                          <p:val>
+                                            <p:strVal val="#ppt_y"/>
+                                          </p:val>
+                                        </p:tav>
+                                      </p:tavLst>
+                                    </p:anim>
+                                  </p:childTnLst>
+                                </p:cTn>
+                              </p:par>
+                            </p:childTnLst>
+                          </p:cTn>
+                        </p:par>
+                      </p:childTnLst>
+                    </p:cTn>
+                  </p:par>
+                  <p:par>
+                    <p:cTn id="39" fill="hold">
+                      <p:stCondLst>
+                        <p:cond delay="indefinite"/>
+                      </p:stCondLst>
+                      <p:childTnLst>
+                        <p:par>
+                          <p:cTn id="40" fill="hold">
+                            <p:stCondLst>
+                              <p:cond delay="0"/>
+                            </p:stCondLst>
+                            <p:childTnLst>
+                              <p:par>
+                                <p:cTn id="41" presetID="42" presetClass="entr" presetSubtype="0" fill="hold" grpId="0" nodeType="clickEffect">
+                                  <p:stCondLst>
+                                    <p:cond delay="0"/>
+                                  </p:stCondLst>
+                                  <p:childTnLst>
+                                    <p:set>
+                                      <p:cBhvr>
+                                        <p:cTn id="42" dur="1" fill="hold">
+                                          <p:stCondLst>
+                                            <p:cond delay="0"/>
+                                          </p:stCondLst>
+                                        </p:cTn>
+                                        <p:tgtEl>
+                                          <p:spTgt spid="6"/>
+                                        </p:tgtEl>
+                                        <p:attrNameLst>
+                                          <p:attrName>style.visibility</p:attrName>
+                                        </p:attrNameLst>
+                                      </p:cBhvr>
+                                      <p:to>
+                                        <p:strVal val="visible"/>
+                                      </p:to>
+                                    </p:set>
+                                    <p:animEffect transition="in" filter="fade">
+                                      <p:cBhvr>
+                                        <p:cTn id="43" dur="1000"/>
+                                        <p:tgtEl>
+                                          <p:spTgt spid="6"/>
+                                        </p:tgtEl>
+                                      </p:cBhvr>
+                                    </p:animEffect>
+                                    <p:anim calcmode="lin" valueType="num">
+                                      <p:cBhvr>
+                                        <p:cTn id="44" dur="1000" fill="hold"/>
+                                        <p:tgtEl>
+                                          <p:spTgt spid="6"/>
+                                        </p:tgtEl>
+                                        <p:attrNameLst>
+                                          <p:attrName>ppt_x</p:attrName>
+                                        </p:attrNameLst>
+                                      </p:cBhvr>
+                                      <p:tavLst>
+                                        <p:tav tm="0">
+                                          <p:val>
+                                            <p:strVal val="#ppt_x"/>
+                                          </p:val>
+                                        </p:tav>
+                                        <p:tav tm="100000">
+                                          <p:val>
+                                            <p:strVal val="#ppt_x"/>
+                                          </p:val>
+                                        </p:tav>
+                                      </p:tavLst>
+                                    </p:anim>
+                                    <p:anim calcmode="lin" valueType="num">
+                                      <p:cBhvr>
+                                        <p:cTn id="45" dur="1000" fill="hold"/>
+                                        <p:tgtEl>
+                                          <p:spTgt spid="6"/>
+                                        </p:tgtEl>
+                                        <p:attrNameLst>
+                                          <p:attrName>ppt_y</p:attrName>
+                                        </p:attrNameLst>
+                                      </p:cBhvr>
+                                      <p:tavLst>
+                                        <p:tav tm="0">
+                                          <p:val>
+                                            <p:strVal val="#ppt_y+.1"/>
+                                          </p:val>
+                                        </p:tav>
+                                        <p:tav tm="100000">
+                                          <p:val>
+                                            <p:strVal val="#ppt_y"/>
+                                          </p:val>
+                                        </p:tav>
+                                      </p:tavLst>
+                                    </p:anim>
+                                  </p:childTnLst>
+                                </p:cTn>
+                              </p:par>
+                            </p:childTnLst>
+                          </p:cTn>
+                        </p:par>
+                      </p:childTnLst>
+                    </p:cTn>
+                  </p:par>
+                  <p:par>
+                    <p:cTn id="46" fill="hold">
+                      <p:stCondLst>
+                        <p:cond delay="indefinite"/>
+                      </p:stCondLst>
+                      <p:childTnLst>
+                        <p:par>
+                          <p:cTn id="47" fill="hold">
+                            <p:stCondLst>
+                              <p:cond delay="0"/>
+                            </p:stCondLst>
+                            <p:childTnLst>
+                              <p:par>
+                                <p:cTn id="48" presetID="2" presetClass="entr" presetSubtype="4" fill="hold" grpId="0" nodeType="clickEffect">
+                                  <p:stCondLst>
+                                    <p:cond delay="0"/>
+                                  </p:stCondLst>
+                                  <p:childTnLst>
+                                    <p:set>
+                                      <p:cBhvr>
+                                        <p:cTn id="49" dur="1" fill="hold">
+                                          <p:stCondLst>
+                                            <p:cond delay="0"/>
+                                          </p:stCondLst>
+                                        </p:cTn>
+                                        <p:tgtEl>
+                                          <p:spTgt spid="7"/>
+                                        </p:tgtEl>
+                                        <p:attrNameLst>
+                                          <p:attrName>style.visibility</p:attrName>
+                                        </p:attrNameLst>
+                                      </p:cBhvr>
+                                      <p:to>
+                                        <p:strVal val="visible"/>
+                                      </p:to>
+                                    </p:set>
+                                    <p:anim calcmode="lin" valueType="num">
+                                      <p:cBhvr additive="base">
+                                        <p:cTn id="50" dur="500" fill="hold"/>
+                                        <p:tgtEl>
+                                          <p:spTgt spid="7"/>
+                                        </p:tgtEl>
+                                        <p:attrNameLst>
+                                          <p:attrName>ppt_x</p:attrName>
+                                        </p:attrNameLst>
+                                      </p:cBhvr>
+                                      <p:tavLst>
+                                        <p:tav tm="0">
+                                          <p:val>
+                                            <p:strVal val="#ppt_x"/>
+                                          </p:val>
+                                        </p:tav>
+                                        <p:tav tm="100000">
+                                          <p:val>
+                                            <p:strVal val="#ppt_x"/>
+                                          </p:val>
+                                        </p:tav>
+                                      </p:tavLst>
+                                    </p:anim>
+                                    <p:anim calcmode="lin" valueType="num">
+                                      <p:cBhvr additive="base">
+                                        <p:cTn id="51" dur="500" fill="hold"/>
+                                        <p:tgtEl>
+                                          <p:spTgt spid="7"/>
+                                        </p:tgtEl>
+                                        <p:attrNameLst>
+                                          <p:attrName>ppt_y</p:attrName>
+                                        </p:attrNameLst>
+                                      </p:cBhvr>
+                                      <p:tavLst>
+                                        <p:tav tm="0">
+                                          <p:val>
+                                            <p:strVal val="1+#ppt_h/2"/>
+                                          </p:val>
+                                        </p:tav>
+                                        <p:tav tm="100000">
+                                          <p:val>
+                                            <p:strVal val="#ppt_y"/>
+                                          </p:val>
+                                        </p:tav>
+                                      </p:tavLst>
+                                    </p:anim>
+                                  </p:childTnLst>
+                                </p:cTn>
+                              </p:par>
+                            </p:childTnLst>
+                          </p:cTn>
+                        </p:par>
+                      </p:childTnLst>
+                    </p:cTn>
+                  </p:par>
+                </p:childTnLst>
+              </p:cTn>
+              <p:prevCondLst>
+                <p:cond evt="onPrev" delay="0">
+                  <p:tgtEl>
+                    <p:sldTgt/>
+                  </p:tgtEl>
+                </p:cond>
+              </p:prevCondLst>
+              <p:nextCondLst>
+                <p:cond evt="onNext" delay="0">
+                  <p:tgtEl>
+                    <p:sldTgt/>
+                  </p:tgtEl>
+                </p:cond>
+              </p:nextCondLst>
+            </p:seq>
+          </p:childTnLst>
+        </p:cTn>
+      </p:par>
+    </p:tnLst>
+    <p:bldLst>
+      <p:bldP spid="5" grpId="0" animBg="1"/>
+      <p:bldP spid="6" grpId="0" animBg="1"/>
+      <p:bldP spid="7" grpId="0" animBg="1"/>
+    </p:bldLst>
+  </p:timing>
 </p:sld>
 </file>
 
@@ -12402,7 +15766,7 @@
                             </p:stCondLst>
                             <p:childTnLst>
                               <p:par>
-                                <p:cTn id="5" presetID="42" presetClass="entr" presetSubtype="0" fill="hold" grpId="0" nodeType="clickEffect">
+                                <p:cTn id="5" presetID="42" presetClass="entr" presetSubtype="0" fill="hold" nodeType="clickEffect">
                                   <p:stCondLst>
                                     <p:cond delay="0"/>
                                   </p:stCondLst>
@@ -12415,7 +15779,11 @@
                                           </p:stCondLst>
                                         </p:cTn>
                                         <p:tgtEl>
-                                          <p:spTgt spid="4"/>
+                                          <p:spTgt spid="3">
+                                            <p:txEl>
+                                              <p:pRg st="0" end="0"/>
+                                            </p:txEl>
+                                          </p:spTgt>
                                         </p:tgtEl>
                                         <p:attrNameLst>
                                           <p:attrName>style.visibility</p:attrName>
@@ -12429,7 +15797,11 @@
                                       <p:cBhvr>
                                         <p:cTn id="7" dur="1000"/>
                                         <p:tgtEl>
-                                          <p:spTgt spid="4"/>
+                                          <p:spTgt spid="3">
+                                            <p:txEl>
+                                              <p:pRg st="0" end="0"/>
+                                            </p:txEl>
+                                          </p:spTgt>
                                         </p:tgtEl>
                                       </p:cBhvr>
                                     </p:animEffect>
@@ -12437,7 +15809,11 @@
                                       <p:cBhvr>
                                         <p:cTn id="8" dur="1000" fill="hold"/>
                                         <p:tgtEl>
-                                          <p:spTgt spid="4"/>
+                                          <p:spTgt spid="3">
+                                            <p:txEl>
+                                              <p:pRg st="0" end="0"/>
+                                            </p:txEl>
+                                          </p:spTgt>
                                         </p:tgtEl>
                                         <p:attrNameLst>
                                           <p:attrName>ppt_x</p:attrName>
@@ -12460,7 +15836,11 @@
                                       <p:cBhvr>
                                         <p:cTn id="9" dur="1000" fill="hold"/>
                                         <p:tgtEl>
-                                          <p:spTgt spid="4"/>
+                                          <p:spTgt spid="3">
+                                            <p:txEl>
+                                              <p:pRg st="0" end="0"/>
+                                            </p:txEl>
+                                          </p:spTgt>
                                         </p:tgtEl>
                                         <p:attrNameLst>
                                           <p:attrName>ppt_y</p:attrName>
@@ -12501,7 +15881,7 @@
                             </p:stCondLst>
                             <p:childTnLst>
                               <p:par>
-                                <p:cTn id="12" presetID="42" presetClass="entr" presetSubtype="0" fill="hold" grpId="0" nodeType="clickEffect">
+                                <p:cTn id="12" presetID="42" presetClass="entr" presetSubtype="0" fill="hold" nodeType="clickEffect">
                                   <p:stCondLst>
                                     <p:cond delay="0"/>
                                   </p:stCondLst>
@@ -12514,7 +15894,11 @@
                                           </p:stCondLst>
                                         </p:cTn>
                                         <p:tgtEl>
-                                          <p:spTgt spid="5"/>
+                                          <p:spTgt spid="6">
+                                            <p:txEl>
+                                              <p:pRg st="0" end="0"/>
+                                            </p:txEl>
+                                          </p:spTgt>
                                         </p:tgtEl>
                                         <p:attrNameLst>
                                           <p:attrName>style.visibility</p:attrName>
@@ -12528,7 +15912,11 @@
                                       <p:cBhvr>
                                         <p:cTn id="14" dur="1000"/>
                                         <p:tgtEl>
-                                          <p:spTgt spid="5"/>
+                                          <p:spTgt spid="6">
+                                            <p:txEl>
+                                              <p:pRg st="0" end="0"/>
+                                            </p:txEl>
+                                          </p:spTgt>
                                         </p:tgtEl>
                                       </p:cBhvr>
                                     </p:animEffect>
@@ -12536,7 +15924,11 @@
                                       <p:cBhvr>
                                         <p:cTn id="15" dur="1000" fill="hold"/>
                                         <p:tgtEl>
-                                          <p:spTgt spid="5"/>
+                                          <p:spTgt spid="6">
+                                            <p:txEl>
+                                              <p:pRg st="0" end="0"/>
+                                            </p:txEl>
+                                          </p:spTgt>
                                         </p:tgtEl>
                                         <p:attrNameLst>
                                           <p:attrName>ppt_x</p:attrName>
@@ -12559,7 +15951,482 @@
                                       <p:cBhvr>
                                         <p:cTn id="16" dur="1000" fill="hold"/>
                                         <p:tgtEl>
+                                          <p:spTgt spid="6">
+                                            <p:txEl>
+                                              <p:pRg st="0" end="0"/>
+                                            </p:txEl>
+                                          </p:spTgt>
+                                        </p:tgtEl>
+                                        <p:attrNameLst>
+                                          <p:attrName>ppt_y</p:attrName>
+                                        </p:attrNameLst>
+                                      </p:cBhvr>
+                                      <p:tavLst>
+                                        <p:tav tm="0">
+                                          <p:val>
+                                            <p:strVal val="#ppt_y+.1"/>
+                                          </p:val>
+                                        </p:tav>
+                                        <p:tav tm="100000">
+                                          <p:val>
+                                            <p:strVal val="#ppt_y"/>
+                                          </p:val>
+                                        </p:tav>
+                                      </p:tavLst>
+                                    </p:anim>
+                                  </p:childTnLst>
+                                </p:cTn>
+                              </p:par>
+                              <p:par>
+                                <p:cTn id="17" presetID="42" presetClass="entr" presetSubtype="0" fill="hold" nodeType="withEffect">
+                                  <p:stCondLst>
+                                    <p:cond delay="0"/>
+                                  </p:stCondLst>
+                                  <p:childTnLst>
+                                    <p:set>
+                                      <p:cBhvr>
+                                        <p:cTn id="18" dur="1" fill="hold">
+                                          <p:stCondLst>
+                                            <p:cond delay="0"/>
+                                          </p:stCondLst>
+                                        </p:cTn>
+                                        <p:tgtEl>
+                                          <p:spTgt spid="6">
+                                            <p:txEl>
+                                              <p:pRg st="1" end="1"/>
+                                            </p:txEl>
+                                          </p:spTgt>
+                                        </p:tgtEl>
+                                        <p:attrNameLst>
+                                          <p:attrName>style.visibility</p:attrName>
+                                        </p:attrNameLst>
+                                      </p:cBhvr>
+                                      <p:to>
+                                        <p:strVal val="visible"/>
+                                      </p:to>
+                                    </p:set>
+                                    <p:animEffect transition="in" filter="fade">
+                                      <p:cBhvr>
+                                        <p:cTn id="19" dur="1000"/>
+                                        <p:tgtEl>
+                                          <p:spTgt spid="6">
+                                            <p:txEl>
+                                              <p:pRg st="1" end="1"/>
+                                            </p:txEl>
+                                          </p:spTgt>
+                                        </p:tgtEl>
+                                      </p:cBhvr>
+                                    </p:animEffect>
+                                    <p:anim calcmode="lin" valueType="num">
+                                      <p:cBhvr>
+                                        <p:cTn id="20" dur="1000" fill="hold"/>
+                                        <p:tgtEl>
+                                          <p:spTgt spid="6">
+                                            <p:txEl>
+                                              <p:pRg st="1" end="1"/>
+                                            </p:txEl>
+                                          </p:spTgt>
+                                        </p:tgtEl>
+                                        <p:attrNameLst>
+                                          <p:attrName>ppt_x</p:attrName>
+                                        </p:attrNameLst>
+                                      </p:cBhvr>
+                                      <p:tavLst>
+                                        <p:tav tm="0">
+                                          <p:val>
+                                            <p:strVal val="#ppt_x"/>
+                                          </p:val>
+                                        </p:tav>
+                                        <p:tav tm="100000">
+                                          <p:val>
+                                            <p:strVal val="#ppt_x"/>
+                                          </p:val>
+                                        </p:tav>
+                                      </p:tavLst>
+                                    </p:anim>
+                                    <p:anim calcmode="lin" valueType="num">
+                                      <p:cBhvr>
+                                        <p:cTn id="21" dur="1000" fill="hold"/>
+                                        <p:tgtEl>
+                                          <p:spTgt spid="6">
+                                            <p:txEl>
+                                              <p:pRg st="1" end="1"/>
+                                            </p:txEl>
+                                          </p:spTgt>
+                                        </p:tgtEl>
+                                        <p:attrNameLst>
+                                          <p:attrName>ppt_y</p:attrName>
+                                        </p:attrNameLst>
+                                      </p:cBhvr>
+                                      <p:tavLst>
+                                        <p:tav tm="0">
+                                          <p:val>
+                                            <p:strVal val="#ppt_y+.1"/>
+                                          </p:val>
+                                        </p:tav>
+                                        <p:tav tm="100000">
+                                          <p:val>
+                                            <p:strVal val="#ppt_y"/>
+                                          </p:val>
+                                        </p:tav>
+                                      </p:tavLst>
+                                    </p:anim>
+                                  </p:childTnLst>
+                                </p:cTn>
+                              </p:par>
+                              <p:par>
+                                <p:cTn id="22" presetID="42" presetClass="entr" presetSubtype="0" fill="hold" nodeType="withEffect">
+                                  <p:stCondLst>
+                                    <p:cond delay="0"/>
+                                  </p:stCondLst>
+                                  <p:childTnLst>
+                                    <p:set>
+                                      <p:cBhvr>
+                                        <p:cTn id="23" dur="1" fill="hold">
+                                          <p:stCondLst>
+                                            <p:cond delay="0"/>
+                                          </p:stCondLst>
+                                        </p:cTn>
+                                        <p:tgtEl>
+                                          <p:spTgt spid="6">
+                                            <p:txEl>
+                                              <p:pRg st="2" end="2"/>
+                                            </p:txEl>
+                                          </p:spTgt>
+                                        </p:tgtEl>
+                                        <p:attrNameLst>
+                                          <p:attrName>style.visibility</p:attrName>
+                                        </p:attrNameLst>
+                                      </p:cBhvr>
+                                      <p:to>
+                                        <p:strVal val="visible"/>
+                                      </p:to>
+                                    </p:set>
+                                    <p:animEffect transition="in" filter="fade">
+                                      <p:cBhvr>
+                                        <p:cTn id="24" dur="1000"/>
+                                        <p:tgtEl>
+                                          <p:spTgt spid="6">
+                                            <p:txEl>
+                                              <p:pRg st="2" end="2"/>
+                                            </p:txEl>
+                                          </p:spTgt>
+                                        </p:tgtEl>
+                                      </p:cBhvr>
+                                    </p:animEffect>
+                                    <p:anim calcmode="lin" valueType="num">
+                                      <p:cBhvr>
+                                        <p:cTn id="25" dur="1000" fill="hold"/>
+                                        <p:tgtEl>
+                                          <p:spTgt spid="6">
+                                            <p:txEl>
+                                              <p:pRg st="2" end="2"/>
+                                            </p:txEl>
+                                          </p:spTgt>
+                                        </p:tgtEl>
+                                        <p:attrNameLst>
+                                          <p:attrName>ppt_x</p:attrName>
+                                        </p:attrNameLst>
+                                      </p:cBhvr>
+                                      <p:tavLst>
+                                        <p:tav tm="0">
+                                          <p:val>
+                                            <p:strVal val="#ppt_x"/>
+                                          </p:val>
+                                        </p:tav>
+                                        <p:tav tm="100000">
+                                          <p:val>
+                                            <p:strVal val="#ppt_x"/>
+                                          </p:val>
+                                        </p:tav>
+                                      </p:tavLst>
+                                    </p:anim>
+                                    <p:anim calcmode="lin" valueType="num">
+                                      <p:cBhvr>
+                                        <p:cTn id="26" dur="1000" fill="hold"/>
+                                        <p:tgtEl>
+                                          <p:spTgt spid="6">
+                                            <p:txEl>
+                                              <p:pRg st="2" end="2"/>
+                                            </p:txEl>
+                                          </p:spTgt>
+                                        </p:tgtEl>
+                                        <p:attrNameLst>
+                                          <p:attrName>ppt_y</p:attrName>
+                                        </p:attrNameLst>
+                                      </p:cBhvr>
+                                      <p:tavLst>
+                                        <p:tav tm="0">
+                                          <p:val>
+                                            <p:strVal val="#ppt_y+.1"/>
+                                          </p:val>
+                                        </p:tav>
+                                        <p:tav tm="100000">
+                                          <p:val>
+                                            <p:strVal val="#ppt_y"/>
+                                          </p:val>
+                                        </p:tav>
+                                      </p:tavLst>
+                                    </p:anim>
+                                  </p:childTnLst>
+                                </p:cTn>
+                              </p:par>
+                              <p:par>
+                                <p:cTn id="27" presetID="42" presetClass="entr" presetSubtype="0" fill="hold" nodeType="withEffect">
+                                  <p:stCondLst>
+                                    <p:cond delay="0"/>
+                                  </p:stCondLst>
+                                  <p:childTnLst>
+                                    <p:set>
+                                      <p:cBhvr>
+                                        <p:cTn id="28" dur="1" fill="hold">
+                                          <p:stCondLst>
+                                            <p:cond delay="0"/>
+                                          </p:stCondLst>
+                                        </p:cTn>
+                                        <p:tgtEl>
+                                          <p:spTgt spid="6">
+                                            <p:txEl>
+                                              <p:pRg st="3" end="3"/>
+                                            </p:txEl>
+                                          </p:spTgt>
+                                        </p:tgtEl>
+                                        <p:attrNameLst>
+                                          <p:attrName>style.visibility</p:attrName>
+                                        </p:attrNameLst>
+                                      </p:cBhvr>
+                                      <p:to>
+                                        <p:strVal val="visible"/>
+                                      </p:to>
+                                    </p:set>
+                                    <p:animEffect transition="in" filter="fade">
+                                      <p:cBhvr>
+                                        <p:cTn id="29" dur="1000"/>
+                                        <p:tgtEl>
+                                          <p:spTgt spid="6">
+                                            <p:txEl>
+                                              <p:pRg st="3" end="3"/>
+                                            </p:txEl>
+                                          </p:spTgt>
+                                        </p:tgtEl>
+                                      </p:cBhvr>
+                                    </p:animEffect>
+                                    <p:anim calcmode="lin" valueType="num">
+                                      <p:cBhvr>
+                                        <p:cTn id="30" dur="1000" fill="hold"/>
+                                        <p:tgtEl>
+                                          <p:spTgt spid="6">
+                                            <p:txEl>
+                                              <p:pRg st="3" end="3"/>
+                                            </p:txEl>
+                                          </p:spTgt>
+                                        </p:tgtEl>
+                                        <p:attrNameLst>
+                                          <p:attrName>ppt_x</p:attrName>
+                                        </p:attrNameLst>
+                                      </p:cBhvr>
+                                      <p:tavLst>
+                                        <p:tav tm="0">
+                                          <p:val>
+                                            <p:strVal val="#ppt_x"/>
+                                          </p:val>
+                                        </p:tav>
+                                        <p:tav tm="100000">
+                                          <p:val>
+                                            <p:strVal val="#ppt_x"/>
+                                          </p:val>
+                                        </p:tav>
+                                      </p:tavLst>
+                                    </p:anim>
+                                    <p:anim calcmode="lin" valueType="num">
+                                      <p:cBhvr>
+                                        <p:cTn id="31" dur="1000" fill="hold"/>
+                                        <p:tgtEl>
+                                          <p:spTgt spid="6">
+                                            <p:txEl>
+                                              <p:pRg st="3" end="3"/>
+                                            </p:txEl>
+                                          </p:spTgt>
+                                        </p:tgtEl>
+                                        <p:attrNameLst>
+                                          <p:attrName>ppt_y</p:attrName>
+                                        </p:attrNameLst>
+                                      </p:cBhvr>
+                                      <p:tavLst>
+                                        <p:tav tm="0">
+                                          <p:val>
+                                            <p:strVal val="#ppt_y+.1"/>
+                                          </p:val>
+                                        </p:tav>
+                                        <p:tav tm="100000">
+                                          <p:val>
+                                            <p:strVal val="#ppt_y"/>
+                                          </p:val>
+                                        </p:tav>
+                                      </p:tavLst>
+                                    </p:anim>
+                                  </p:childTnLst>
+                                </p:cTn>
+                              </p:par>
+                            </p:childTnLst>
+                          </p:cTn>
+                        </p:par>
+                      </p:childTnLst>
+                    </p:cTn>
+                  </p:par>
+                  <p:par>
+                    <p:cTn id="32" fill="hold">
+                      <p:stCondLst>
+                        <p:cond delay="indefinite"/>
+                      </p:stCondLst>
+                      <p:childTnLst>
+                        <p:par>
+                          <p:cTn id="33" fill="hold">
+                            <p:stCondLst>
+                              <p:cond delay="0"/>
+                            </p:stCondLst>
+                            <p:childTnLst>
+                              <p:par>
+                                <p:cTn id="34" presetID="42" presetClass="entr" presetSubtype="0" fill="hold" grpId="0" nodeType="clickEffect">
+                                  <p:stCondLst>
+                                    <p:cond delay="0"/>
+                                  </p:stCondLst>
+                                  <p:childTnLst>
+                                    <p:set>
+                                      <p:cBhvr>
+                                        <p:cTn id="35" dur="1" fill="hold">
+                                          <p:stCondLst>
+                                            <p:cond delay="0"/>
+                                          </p:stCondLst>
+                                        </p:cTn>
+                                        <p:tgtEl>
                                           <p:spTgt spid="5"/>
+                                        </p:tgtEl>
+                                        <p:attrNameLst>
+                                          <p:attrName>style.visibility</p:attrName>
+                                        </p:attrNameLst>
+                                      </p:cBhvr>
+                                      <p:to>
+                                        <p:strVal val="visible"/>
+                                      </p:to>
+                                    </p:set>
+                                    <p:animEffect transition="in" filter="fade">
+                                      <p:cBhvr>
+                                        <p:cTn id="36" dur="1000"/>
+                                        <p:tgtEl>
+                                          <p:spTgt spid="5"/>
+                                        </p:tgtEl>
+                                      </p:cBhvr>
+                                    </p:animEffect>
+                                    <p:anim calcmode="lin" valueType="num">
+                                      <p:cBhvr>
+                                        <p:cTn id="37" dur="1000" fill="hold"/>
+                                        <p:tgtEl>
+                                          <p:spTgt spid="5"/>
+                                        </p:tgtEl>
+                                        <p:attrNameLst>
+                                          <p:attrName>ppt_x</p:attrName>
+                                        </p:attrNameLst>
+                                      </p:cBhvr>
+                                      <p:tavLst>
+                                        <p:tav tm="0">
+                                          <p:val>
+                                            <p:strVal val="#ppt_x"/>
+                                          </p:val>
+                                        </p:tav>
+                                        <p:tav tm="100000">
+                                          <p:val>
+                                            <p:strVal val="#ppt_x"/>
+                                          </p:val>
+                                        </p:tav>
+                                      </p:tavLst>
+                                    </p:anim>
+                                    <p:anim calcmode="lin" valueType="num">
+                                      <p:cBhvr>
+                                        <p:cTn id="38" dur="1000" fill="hold"/>
+                                        <p:tgtEl>
+                                          <p:spTgt spid="5"/>
+                                        </p:tgtEl>
+                                        <p:attrNameLst>
+                                          <p:attrName>ppt_y</p:attrName>
+                                        </p:attrNameLst>
+                                      </p:cBhvr>
+                                      <p:tavLst>
+                                        <p:tav tm="0">
+                                          <p:val>
+                                            <p:strVal val="#ppt_y+.1"/>
+                                          </p:val>
+                                        </p:tav>
+                                        <p:tav tm="100000">
+                                          <p:val>
+                                            <p:strVal val="#ppt_y"/>
+                                          </p:val>
+                                        </p:tav>
+                                      </p:tavLst>
+                                    </p:anim>
+                                  </p:childTnLst>
+                                </p:cTn>
+                              </p:par>
+                              <p:par>
+                                <p:cTn id="39" presetID="42" presetClass="entr" presetSubtype="0" fill="hold" grpId="0" nodeType="withEffect">
+                                  <p:stCondLst>
+                                    <p:cond delay="0"/>
+                                  </p:stCondLst>
+                                  <p:childTnLst>
+                                    <p:set>
+                                      <p:cBhvr>
+                                        <p:cTn id="40" dur="1" fill="hold">
+                                          <p:stCondLst>
+                                            <p:cond delay="0"/>
+                                          </p:stCondLst>
+                                        </p:cTn>
+                                        <p:tgtEl>
+                                          <p:spTgt spid="4"/>
+                                        </p:tgtEl>
+                                        <p:attrNameLst>
+                                          <p:attrName>style.visibility</p:attrName>
+                                        </p:attrNameLst>
+                                      </p:cBhvr>
+                                      <p:to>
+                                        <p:strVal val="visible"/>
+                                      </p:to>
+                                    </p:set>
+                                    <p:animEffect transition="in" filter="fade">
+                                      <p:cBhvr>
+                                        <p:cTn id="41" dur="1000"/>
+                                        <p:tgtEl>
+                                          <p:spTgt spid="4"/>
+                                        </p:tgtEl>
+                                      </p:cBhvr>
+                                    </p:animEffect>
+                                    <p:anim calcmode="lin" valueType="num">
+                                      <p:cBhvr>
+                                        <p:cTn id="42" dur="1000" fill="hold"/>
+                                        <p:tgtEl>
+                                          <p:spTgt spid="4"/>
+                                        </p:tgtEl>
+                                        <p:attrNameLst>
+                                          <p:attrName>ppt_x</p:attrName>
+                                        </p:attrNameLst>
+                                      </p:cBhvr>
+                                      <p:tavLst>
+                                        <p:tav tm="0">
+                                          <p:val>
+                                            <p:strVal val="#ppt_x"/>
+                                          </p:val>
+                                        </p:tav>
+                                        <p:tav tm="100000">
+                                          <p:val>
+                                            <p:strVal val="#ppt_x"/>
+                                          </p:val>
+                                        </p:tav>
+                                      </p:tavLst>
+                                    </p:anim>
+                                    <p:anim calcmode="lin" valueType="num">
+                                      <p:cBhvr>
+                                        <p:cTn id="43" dur="1000" fill="hold"/>
+                                        <p:tgtEl>
+                                          <p:spTgt spid="4"/>
                                         </p:tgtEl>
                                         <p:attrNameLst>
                                           <p:attrName>ppt_y</p:attrName>
@@ -12779,7 +16646,7 @@
           <a:p>
             <a:r>
               <a:rPr lang="en-US" dirty="0"/>
-              <a:t>Try https://MyAcrobat.com</a:t>
+              <a:t>Putting all together in real application</a:t>
             </a:r>
           </a:p>
         </p:txBody>
@@ -12800,7 +16667,12 @@
             <p:ph idx="1"/>
           </p:nvPr>
         </p:nvSpPr>
-        <p:spPr/>
+        <p:spPr>
+          <a:xfrm>
+            <a:off x="1065212" y="4191000"/>
+            <a:ext cx="8686801" cy="1828800"/>
+          </a:xfrm>
+        </p:spPr>
         <p:txBody>
           <a:bodyPr/>
           <a:lstStyle/>
@@ -12820,6 +16692,54 @@
             <a:r>
               <a:rPr lang="en-US" dirty="0"/>
               <a:t>Took only 62 hours to complete the project.</a:t>
+            </a:r>
+          </a:p>
+        </p:txBody>
+      </p:sp>
+      <p:sp>
+        <p:nvSpPr>
+          <p:cNvPr id="5" name="Rectangle 4">
+            <a:extLst>
+              <a:ext uri="{FF2B5EF4-FFF2-40B4-BE49-F238E27FC236}">
+                <a16:creationId xmlns:a16="http://schemas.microsoft.com/office/drawing/2014/main" id="{949F3468-5F53-45DB-82EF-419818948F1F}"/>
+              </a:ext>
+            </a:extLst>
+          </p:cNvPr>
+          <p:cNvSpPr/>
+          <p:nvPr/>
+        </p:nvSpPr>
+        <p:spPr>
+          <a:xfrm>
+            <a:off x="2055812" y="2362200"/>
+            <a:ext cx="7073411" cy="923330"/>
+          </a:xfrm>
+          <a:prstGeom prst="rect">
+            <a:avLst/>
+          </a:prstGeom>
+          <a:noFill/>
+        </p:spPr>
+        <p:txBody>
+          <a:bodyPr wrap="none" lIns="91440" tIns="45720" rIns="91440" bIns="45720">
+            <a:spAutoFit/>
+          </a:bodyPr>
+          <a:lstStyle/>
+          <a:p>
+            <a:pPr algn="ctr"/>
+            <a:r>
+              <a:rPr lang="en-US" sz="5400" dirty="0">
+                <a:ln w="0"/>
+                <a:solidFill>
+                  <a:schemeClr val="accent1"/>
+                </a:solidFill>
+                <a:effectLst>
+                  <a:outerShdw blurRad="38100" dist="25400" dir="5400000" algn="ctr" rotWithShape="0">
+                    <a:srgbClr val="6E747A">
+                      <a:alpha val="43000"/>
+                    </a:srgbClr>
+                  </a:outerShdw>
+                </a:effectLst>
+              </a:rPr>
+              <a:t>https://myacrobat.com</a:t>
             </a:r>
           </a:p>
         </p:txBody>
@@ -12846,6 +16766,484 @@
       </p:transition>
     </mc:Fallback>
   </mc:AlternateContent>
+  <p:timing>
+    <p:tnLst>
+      <p:par>
+        <p:cTn id="1" dur="indefinite" restart="never" nodeType="tmRoot">
+          <p:childTnLst>
+            <p:seq concurrent="1" nextAc="seek">
+              <p:cTn id="2" dur="indefinite" nodeType="mainSeq">
+                <p:childTnLst>
+                  <p:par>
+                    <p:cTn id="3" fill="hold">
+                      <p:stCondLst>
+                        <p:cond delay="indefinite"/>
+                      </p:stCondLst>
+                      <p:childTnLst>
+                        <p:par>
+                          <p:cTn id="4" fill="hold">
+                            <p:stCondLst>
+                              <p:cond delay="0"/>
+                            </p:stCondLst>
+                            <p:childTnLst>
+                              <p:par>
+                                <p:cTn id="5" presetID="42" presetClass="entr" presetSubtype="0" fill="hold" grpId="0" nodeType="clickEffect">
+                                  <p:stCondLst>
+                                    <p:cond delay="0"/>
+                                  </p:stCondLst>
+                                  <p:childTnLst>
+                                    <p:set>
+                                      <p:cBhvr>
+                                        <p:cTn id="6" dur="1" fill="hold">
+                                          <p:stCondLst>
+                                            <p:cond delay="0"/>
+                                          </p:stCondLst>
+                                        </p:cTn>
+                                        <p:tgtEl>
+                                          <p:spTgt spid="5"/>
+                                        </p:tgtEl>
+                                        <p:attrNameLst>
+                                          <p:attrName>style.visibility</p:attrName>
+                                        </p:attrNameLst>
+                                      </p:cBhvr>
+                                      <p:to>
+                                        <p:strVal val="visible"/>
+                                      </p:to>
+                                    </p:set>
+                                    <p:animEffect transition="in" filter="fade">
+                                      <p:cBhvr>
+                                        <p:cTn id="7" dur="1000"/>
+                                        <p:tgtEl>
+                                          <p:spTgt spid="5"/>
+                                        </p:tgtEl>
+                                      </p:cBhvr>
+                                    </p:animEffect>
+                                    <p:anim calcmode="lin" valueType="num">
+                                      <p:cBhvr>
+                                        <p:cTn id="8" dur="1000" fill="hold"/>
+                                        <p:tgtEl>
+                                          <p:spTgt spid="5"/>
+                                        </p:tgtEl>
+                                        <p:attrNameLst>
+                                          <p:attrName>ppt_x</p:attrName>
+                                        </p:attrNameLst>
+                                      </p:cBhvr>
+                                      <p:tavLst>
+                                        <p:tav tm="0">
+                                          <p:val>
+                                            <p:strVal val="#ppt_x"/>
+                                          </p:val>
+                                        </p:tav>
+                                        <p:tav tm="100000">
+                                          <p:val>
+                                            <p:strVal val="#ppt_x"/>
+                                          </p:val>
+                                        </p:tav>
+                                      </p:tavLst>
+                                    </p:anim>
+                                    <p:anim calcmode="lin" valueType="num">
+                                      <p:cBhvr>
+                                        <p:cTn id="9" dur="1000" fill="hold"/>
+                                        <p:tgtEl>
+                                          <p:spTgt spid="5"/>
+                                        </p:tgtEl>
+                                        <p:attrNameLst>
+                                          <p:attrName>ppt_y</p:attrName>
+                                        </p:attrNameLst>
+                                      </p:cBhvr>
+                                      <p:tavLst>
+                                        <p:tav tm="0">
+                                          <p:val>
+                                            <p:strVal val="#ppt_y+.1"/>
+                                          </p:val>
+                                        </p:tav>
+                                        <p:tav tm="100000">
+                                          <p:val>
+                                            <p:strVal val="#ppt_y"/>
+                                          </p:val>
+                                        </p:tav>
+                                      </p:tavLst>
+                                    </p:anim>
+                                  </p:childTnLst>
+                                </p:cTn>
+                              </p:par>
+                            </p:childTnLst>
+                          </p:cTn>
+                        </p:par>
+                      </p:childTnLst>
+                    </p:cTn>
+                  </p:par>
+                  <p:par>
+                    <p:cTn id="10" fill="hold">
+                      <p:stCondLst>
+                        <p:cond delay="indefinite"/>
+                      </p:stCondLst>
+                      <p:childTnLst>
+                        <p:par>
+                          <p:cTn id="11" fill="hold">
+                            <p:stCondLst>
+                              <p:cond delay="0"/>
+                            </p:stCondLst>
+                            <p:childTnLst>
+                              <p:par>
+                                <p:cTn id="12" presetID="42" presetClass="entr" presetSubtype="0" fill="hold" grpId="0" nodeType="clickEffect">
+                                  <p:stCondLst>
+                                    <p:cond delay="0"/>
+                                  </p:stCondLst>
+                                  <p:childTnLst>
+                                    <p:set>
+                                      <p:cBhvr>
+                                        <p:cTn id="13" dur="1" fill="hold">
+                                          <p:stCondLst>
+                                            <p:cond delay="0"/>
+                                          </p:stCondLst>
+                                        </p:cTn>
+                                        <p:tgtEl>
+                                          <p:spTgt spid="3">
+                                            <p:txEl>
+                                              <p:pRg st="0" end="0"/>
+                                            </p:txEl>
+                                          </p:spTgt>
+                                        </p:tgtEl>
+                                        <p:attrNameLst>
+                                          <p:attrName>style.visibility</p:attrName>
+                                        </p:attrNameLst>
+                                      </p:cBhvr>
+                                      <p:to>
+                                        <p:strVal val="visible"/>
+                                      </p:to>
+                                    </p:set>
+                                    <p:animEffect transition="in" filter="fade">
+                                      <p:cBhvr>
+                                        <p:cTn id="14" dur="1000"/>
+                                        <p:tgtEl>
+                                          <p:spTgt spid="3">
+                                            <p:txEl>
+                                              <p:pRg st="0" end="0"/>
+                                            </p:txEl>
+                                          </p:spTgt>
+                                        </p:tgtEl>
+                                      </p:cBhvr>
+                                    </p:animEffect>
+                                    <p:anim calcmode="lin" valueType="num">
+                                      <p:cBhvr>
+                                        <p:cTn id="15" dur="1000" fill="hold"/>
+                                        <p:tgtEl>
+                                          <p:spTgt spid="3">
+                                            <p:txEl>
+                                              <p:pRg st="0" end="0"/>
+                                            </p:txEl>
+                                          </p:spTgt>
+                                        </p:tgtEl>
+                                        <p:attrNameLst>
+                                          <p:attrName>ppt_x</p:attrName>
+                                        </p:attrNameLst>
+                                      </p:cBhvr>
+                                      <p:tavLst>
+                                        <p:tav tm="0">
+                                          <p:val>
+                                            <p:strVal val="#ppt_x"/>
+                                          </p:val>
+                                        </p:tav>
+                                        <p:tav tm="100000">
+                                          <p:val>
+                                            <p:strVal val="#ppt_x"/>
+                                          </p:val>
+                                        </p:tav>
+                                      </p:tavLst>
+                                    </p:anim>
+                                    <p:anim calcmode="lin" valueType="num">
+                                      <p:cBhvr>
+                                        <p:cTn id="16" dur="1000" fill="hold"/>
+                                        <p:tgtEl>
+                                          <p:spTgt spid="3">
+                                            <p:txEl>
+                                              <p:pRg st="0" end="0"/>
+                                            </p:txEl>
+                                          </p:spTgt>
+                                        </p:tgtEl>
+                                        <p:attrNameLst>
+                                          <p:attrName>ppt_y</p:attrName>
+                                        </p:attrNameLst>
+                                      </p:cBhvr>
+                                      <p:tavLst>
+                                        <p:tav tm="0">
+                                          <p:val>
+                                            <p:strVal val="#ppt_y+.1"/>
+                                          </p:val>
+                                        </p:tav>
+                                        <p:tav tm="100000">
+                                          <p:val>
+                                            <p:strVal val="#ppt_y"/>
+                                          </p:val>
+                                        </p:tav>
+                                      </p:tavLst>
+                                    </p:anim>
+                                  </p:childTnLst>
+                                </p:cTn>
+                              </p:par>
+                            </p:childTnLst>
+                          </p:cTn>
+                        </p:par>
+                      </p:childTnLst>
+                    </p:cTn>
+                  </p:par>
+                  <p:par>
+                    <p:cTn id="17" fill="hold">
+                      <p:stCondLst>
+                        <p:cond delay="indefinite"/>
+                      </p:stCondLst>
+                      <p:childTnLst>
+                        <p:par>
+                          <p:cTn id="18" fill="hold">
+                            <p:stCondLst>
+                              <p:cond delay="0"/>
+                            </p:stCondLst>
+                            <p:childTnLst>
+                              <p:par>
+                                <p:cTn id="19" presetID="42" presetClass="entr" presetSubtype="0" fill="hold" grpId="0" nodeType="clickEffect">
+                                  <p:stCondLst>
+                                    <p:cond delay="0"/>
+                                  </p:stCondLst>
+                                  <p:childTnLst>
+                                    <p:set>
+                                      <p:cBhvr>
+                                        <p:cTn id="20" dur="1" fill="hold">
+                                          <p:stCondLst>
+                                            <p:cond delay="0"/>
+                                          </p:stCondLst>
+                                        </p:cTn>
+                                        <p:tgtEl>
+                                          <p:spTgt spid="3">
+                                            <p:txEl>
+                                              <p:pRg st="1" end="1"/>
+                                            </p:txEl>
+                                          </p:spTgt>
+                                        </p:tgtEl>
+                                        <p:attrNameLst>
+                                          <p:attrName>style.visibility</p:attrName>
+                                        </p:attrNameLst>
+                                      </p:cBhvr>
+                                      <p:to>
+                                        <p:strVal val="visible"/>
+                                      </p:to>
+                                    </p:set>
+                                    <p:animEffect transition="in" filter="fade">
+                                      <p:cBhvr>
+                                        <p:cTn id="21" dur="1000"/>
+                                        <p:tgtEl>
+                                          <p:spTgt spid="3">
+                                            <p:txEl>
+                                              <p:pRg st="1" end="1"/>
+                                            </p:txEl>
+                                          </p:spTgt>
+                                        </p:tgtEl>
+                                      </p:cBhvr>
+                                    </p:animEffect>
+                                    <p:anim calcmode="lin" valueType="num">
+                                      <p:cBhvr>
+                                        <p:cTn id="22" dur="1000" fill="hold"/>
+                                        <p:tgtEl>
+                                          <p:spTgt spid="3">
+                                            <p:txEl>
+                                              <p:pRg st="1" end="1"/>
+                                            </p:txEl>
+                                          </p:spTgt>
+                                        </p:tgtEl>
+                                        <p:attrNameLst>
+                                          <p:attrName>ppt_x</p:attrName>
+                                        </p:attrNameLst>
+                                      </p:cBhvr>
+                                      <p:tavLst>
+                                        <p:tav tm="0">
+                                          <p:val>
+                                            <p:strVal val="#ppt_x"/>
+                                          </p:val>
+                                        </p:tav>
+                                        <p:tav tm="100000">
+                                          <p:val>
+                                            <p:strVal val="#ppt_x"/>
+                                          </p:val>
+                                        </p:tav>
+                                      </p:tavLst>
+                                    </p:anim>
+                                    <p:anim calcmode="lin" valueType="num">
+                                      <p:cBhvr>
+                                        <p:cTn id="23" dur="1000" fill="hold"/>
+                                        <p:tgtEl>
+                                          <p:spTgt spid="3">
+                                            <p:txEl>
+                                              <p:pRg st="1" end="1"/>
+                                            </p:txEl>
+                                          </p:spTgt>
+                                        </p:tgtEl>
+                                        <p:attrNameLst>
+                                          <p:attrName>ppt_y</p:attrName>
+                                        </p:attrNameLst>
+                                      </p:cBhvr>
+                                      <p:tavLst>
+                                        <p:tav tm="0">
+                                          <p:val>
+                                            <p:strVal val="#ppt_y+.1"/>
+                                          </p:val>
+                                        </p:tav>
+                                        <p:tav tm="100000">
+                                          <p:val>
+                                            <p:strVal val="#ppt_y"/>
+                                          </p:val>
+                                        </p:tav>
+                                      </p:tavLst>
+                                    </p:anim>
+                                  </p:childTnLst>
+                                </p:cTn>
+                              </p:par>
+                            </p:childTnLst>
+                          </p:cTn>
+                        </p:par>
+                      </p:childTnLst>
+                    </p:cTn>
+                  </p:par>
+                  <p:par>
+                    <p:cTn id="24" fill="hold">
+                      <p:stCondLst>
+                        <p:cond delay="indefinite"/>
+                      </p:stCondLst>
+                      <p:childTnLst>
+                        <p:par>
+                          <p:cTn id="25" fill="hold">
+                            <p:stCondLst>
+                              <p:cond delay="0"/>
+                            </p:stCondLst>
+                            <p:childTnLst>
+                              <p:par>
+                                <p:cTn id="26" presetID="42" presetClass="entr" presetSubtype="0" fill="hold" grpId="0" nodeType="clickEffect">
+                                  <p:stCondLst>
+                                    <p:cond delay="0"/>
+                                  </p:stCondLst>
+                                  <p:childTnLst>
+                                    <p:set>
+                                      <p:cBhvr>
+                                        <p:cTn id="27" dur="1" fill="hold">
+                                          <p:stCondLst>
+                                            <p:cond delay="0"/>
+                                          </p:stCondLst>
+                                        </p:cTn>
+                                        <p:tgtEl>
+                                          <p:spTgt spid="3">
+                                            <p:txEl>
+                                              <p:pRg st="2" end="2"/>
+                                            </p:txEl>
+                                          </p:spTgt>
+                                        </p:tgtEl>
+                                        <p:attrNameLst>
+                                          <p:attrName>style.visibility</p:attrName>
+                                        </p:attrNameLst>
+                                      </p:cBhvr>
+                                      <p:to>
+                                        <p:strVal val="visible"/>
+                                      </p:to>
+                                    </p:set>
+                                    <p:animEffect transition="in" filter="fade">
+                                      <p:cBhvr>
+                                        <p:cTn id="28" dur="1000"/>
+                                        <p:tgtEl>
+                                          <p:spTgt spid="3">
+                                            <p:txEl>
+                                              <p:pRg st="2" end="2"/>
+                                            </p:txEl>
+                                          </p:spTgt>
+                                        </p:tgtEl>
+                                      </p:cBhvr>
+                                    </p:animEffect>
+                                    <p:anim calcmode="lin" valueType="num">
+                                      <p:cBhvr>
+                                        <p:cTn id="29" dur="1000" fill="hold"/>
+                                        <p:tgtEl>
+                                          <p:spTgt spid="3">
+                                            <p:txEl>
+                                              <p:pRg st="2" end="2"/>
+                                            </p:txEl>
+                                          </p:spTgt>
+                                        </p:tgtEl>
+                                        <p:attrNameLst>
+                                          <p:attrName>ppt_x</p:attrName>
+                                        </p:attrNameLst>
+                                      </p:cBhvr>
+                                      <p:tavLst>
+                                        <p:tav tm="0">
+                                          <p:val>
+                                            <p:strVal val="#ppt_x"/>
+                                          </p:val>
+                                        </p:tav>
+                                        <p:tav tm="100000">
+                                          <p:val>
+                                            <p:strVal val="#ppt_x"/>
+                                          </p:val>
+                                        </p:tav>
+                                      </p:tavLst>
+                                    </p:anim>
+                                    <p:anim calcmode="lin" valueType="num">
+                                      <p:cBhvr>
+                                        <p:cTn id="30" dur="1000" fill="hold"/>
+                                        <p:tgtEl>
+                                          <p:spTgt spid="3">
+                                            <p:txEl>
+                                              <p:pRg st="2" end="2"/>
+                                            </p:txEl>
+                                          </p:spTgt>
+                                        </p:tgtEl>
+                                        <p:attrNameLst>
+                                          <p:attrName>ppt_y</p:attrName>
+                                        </p:attrNameLst>
+                                      </p:cBhvr>
+                                      <p:tavLst>
+                                        <p:tav tm="0">
+                                          <p:val>
+                                            <p:strVal val="#ppt_y+.1"/>
+                                          </p:val>
+                                        </p:tav>
+                                        <p:tav tm="100000">
+                                          <p:val>
+                                            <p:strVal val="#ppt_y"/>
+                                          </p:val>
+                                        </p:tav>
+                                      </p:tavLst>
+                                    </p:anim>
+                                  </p:childTnLst>
+                                </p:cTn>
+                              </p:par>
+                            </p:childTnLst>
+                          </p:cTn>
+                        </p:par>
+                      </p:childTnLst>
+                    </p:cTn>
+                  </p:par>
+                </p:childTnLst>
+              </p:cTn>
+              <p:prevCondLst>
+                <p:cond evt="onPrev" delay="0">
+                  <p:tgtEl>
+                    <p:sldTgt/>
+                  </p:tgtEl>
+                </p:cond>
+              </p:prevCondLst>
+              <p:nextCondLst>
+                <p:cond evt="onNext" delay="0">
+                  <p:tgtEl>
+                    <p:sldTgt/>
+                  </p:tgtEl>
+                </p:cond>
+              </p:nextCondLst>
+            </p:seq>
+          </p:childTnLst>
+        </p:cTn>
+      </p:par>
+    </p:tnLst>
+    <p:bldLst>
+      <p:bldP spid="3" grpId="0" build="p"/>
+      <p:bldP spid="5" grpId="0"/>
+    </p:bldLst>
+  </p:timing>
 </p:sld>
 </file>
 
@@ -12991,6 +17389,381 @@
       </p:transition>
     </mc:Fallback>
   </mc:AlternateContent>
+  <p:timing>
+    <p:tnLst>
+      <p:par>
+        <p:cTn id="1" dur="indefinite" restart="never" nodeType="tmRoot">
+          <p:childTnLst>
+            <p:seq concurrent="1" nextAc="seek">
+              <p:cTn id="2" dur="indefinite" nodeType="mainSeq">
+                <p:childTnLst>
+                  <p:par>
+                    <p:cTn id="3" fill="hold">
+                      <p:stCondLst>
+                        <p:cond delay="indefinite"/>
+                      </p:stCondLst>
+                      <p:childTnLst>
+                        <p:par>
+                          <p:cTn id="4" fill="hold">
+                            <p:stCondLst>
+                              <p:cond delay="0"/>
+                            </p:stCondLst>
+                            <p:childTnLst>
+                              <p:par>
+                                <p:cTn id="5" presetID="42" presetClass="entr" presetSubtype="0" fill="hold" nodeType="clickEffect">
+                                  <p:stCondLst>
+                                    <p:cond delay="0"/>
+                                  </p:stCondLst>
+                                  <p:childTnLst>
+                                    <p:set>
+                                      <p:cBhvr>
+                                        <p:cTn id="6" dur="1" fill="hold">
+                                          <p:stCondLst>
+                                            <p:cond delay="0"/>
+                                          </p:stCondLst>
+                                        </p:cTn>
+                                        <p:tgtEl>
+                                          <p:spTgt spid="3">
+                                            <p:txEl>
+                                              <p:pRg st="0" end="0"/>
+                                            </p:txEl>
+                                          </p:spTgt>
+                                        </p:tgtEl>
+                                        <p:attrNameLst>
+                                          <p:attrName>style.visibility</p:attrName>
+                                        </p:attrNameLst>
+                                      </p:cBhvr>
+                                      <p:to>
+                                        <p:strVal val="visible"/>
+                                      </p:to>
+                                    </p:set>
+                                    <p:animEffect transition="in" filter="fade">
+                                      <p:cBhvr>
+                                        <p:cTn id="7" dur="1000"/>
+                                        <p:tgtEl>
+                                          <p:spTgt spid="3">
+                                            <p:txEl>
+                                              <p:pRg st="0" end="0"/>
+                                            </p:txEl>
+                                          </p:spTgt>
+                                        </p:tgtEl>
+                                      </p:cBhvr>
+                                    </p:animEffect>
+                                    <p:anim calcmode="lin" valueType="num">
+                                      <p:cBhvr>
+                                        <p:cTn id="8" dur="1000" fill="hold"/>
+                                        <p:tgtEl>
+                                          <p:spTgt spid="3">
+                                            <p:txEl>
+                                              <p:pRg st="0" end="0"/>
+                                            </p:txEl>
+                                          </p:spTgt>
+                                        </p:tgtEl>
+                                        <p:attrNameLst>
+                                          <p:attrName>ppt_x</p:attrName>
+                                        </p:attrNameLst>
+                                      </p:cBhvr>
+                                      <p:tavLst>
+                                        <p:tav tm="0">
+                                          <p:val>
+                                            <p:strVal val="#ppt_x"/>
+                                          </p:val>
+                                        </p:tav>
+                                        <p:tav tm="100000">
+                                          <p:val>
+                                            <p:strVal val="#ppt_x"/>
+                                          </p:val>
+                                        </p:tav>
+                                      </p:tavLst>
+                                    </p:anim>
+                                    <p:anim calcmode="lin" valueType="num">
+                                      <p:cBhvr>
+                                        <p:cTn id="9" dur="1000" fill="hold"/>
+                                        <p:tgtEl>
+                                          <p:spTgt spid="3">
+                                            <p:txEl>
+                                              <p:pRg st="0" end="0"/>
+                                            </p:txEl>
+                                          </p:spTgt>
+                                        </p:tgtEl>
+                                        <p:attrNameLst>
+                                          <p:attrName>ppt_y</p:attrName>
+                                        </p:attrNameLst>
+                                      </p:cBhvr>
+                                      <p:tavLst>
+                                        <p:tav tm="0">
+                                          <p:val>
+                                            <p:strVal val="#ppt_y+.1"/>
+                                          </p:val>
+                                        </p:tav>
+                                        <p:tav tm="100000">
+                                          <p:val>
+                                            <p:strVal val="#ppt_y"/>
+                                          </p:val>
+                                        </p:tav>
+                                      </p:tavLst>
+                                    </p:anim>
+                                  </p:childTnLst>
+                                </p:cTn>
+                              </p:par>
+                            </p:childTnLst>
+                          </p:cTn>
+                        </p:par>
+                      </p:childTnLst>
+                    </p:cTn>
+                  </p:par>
+                  <p:par>
+                    <p:cTn id="10" fill="hold">
+                      <p:stCondLst>
+                        <p:cond delay="indefinite"/>
+                      </p:stCondLst>
+                      <p:childTnLst>
+                        <p:par>
+                          <p:cTn id="11" fill="hold">
+                            <p:stCondLst>
+                              <p:cond delay="0"/>
+                            </p:stCondLst>
+                            <p:childTnLst>
+                              <p:par>
+                                <p:cTn id="12" presetID="42" presetClass="entr" presetSubtype="0" fill="hold" nodeType="clickEffect">
+                                  <p:stCondLst>
+                                    <p:cond delay="0"/>
+                                  </p:stCondLst>
+                                  <p:childTnLst>
+                                    <p:set>
+                                      <p:cBhvr>
+                                        <p:cTn id="13" dur="1" fill="hold">
+                                          <p:stCondLst>
+                                            <p:cond delay="0"/>
+                                          </p:stCondLst>
+                                        </p:cTn>
+                                        <p:tgtEl>
+                                          <p:spTgt spid="3">
+                                            <p:txEl>
+                                              <p:pRg st="1" end="1"/>
+                                            </p:txEl>
+                                          </p:spTgt>
+                                        </p:tgtEl>
+                                        <p:attrNameLst>
+                                          <p:attrName>style.visibility</p:attrName>
+                                        </p:attrNameLst>
+                                      </p:cBhvr>
+                                      <p:to>
+                                        <p:strVal val="visible"/>
+                                      </p:to>
+                                    </p:set>
+                                    <p:animEffect transition="in" filter="fade">
+                                      <p:cBhvr>
+                                        <p:cTn id="14" dur="1000"/>
+                                        <p:tgtEl>
+                                          <p:spTgt spid="3">
+                                            <p:txEl>
+                                              <p:pRg st="1" end="1"/>
+                                            </p:txEl>
+                                          </p:spTgt>
+                                        </p:tgtEl>
+                                      </p:cBhvr>
+                                    </p:animEffect>
+                                    <p:anim calcmode="lin" valueType="num">
+                                      <p:cBhvr>
+                                        <p:cTn id="15" dur="1000" fill="hold"/>
+                                        <p:tgtEl>
+                                          <p:spTgt spid="3">
+                                            <p:txEl>
+                                              <p:pRg st="1" end="1"/>
+                                            </p:txEl>
+                                          </p:spTgt>
+                                        </p:tgtEl>
+                                        <p:attrNameLst>
+                                          <p:attrName>ppt_x</p:attrName>
+                                        </p:attrNameLst>
+                                      </p:cBhvr>
+                                      <p:tavLst>
+                                        <p:tav tm="0">
+                                          <p:val>
+                                            <p:strVal val="#ppt_x"/>
+                                          </p:val>
+                                        </p:tav>
+                                        <p:tav tm="100000">
+                                          <p:val>
+                                            <p:strVal val="#ppt_x"/>
+                                          </p:val>
+                                        </p:tav>
+                                      </p:tavLst>
+                                    </p:anim>
+                                    <p:anim calcmode="lin" valueType="num">
+                                      <p:cBhvr>
+                                        <p:cTn id="16" dur="1000" fill="hold"/>
+                                        <p:tgtEl>
+                                          <p:spTgt spid="3">
+                                            <p:txEl>
+                                              <p:pRg st="1" end="1"/>
+                                            </p:txEl>
+                                          </p:spTgt>
+                                        </p:tgtEl>
+                                        <p:attrNameLst>
+                                          <p:attrName>ppt_y</p:attrName>
+                                        </p:attrNameLst>
+                                      </p:cBhvr>
+                                      <p:tavLst>
+                                        <p:tav tm="0">
+                                          <p:val>
+                                            <p:strVal val="#ppt_y+.1"/>
+                                          </p:val>
+                                        </p:tav>
+                                        <p:tav tm="100000">
+                                          <p:val>
+                                            <p:strVal val="#ppt_y"/>
+                                          </p:val>
+                                        </p:tav>
+                                      </p:tavLst>
+                                    </p:anim>
+                                  </p:childTnLst>
+                                </p:cTn>
+                              </p:par>
+                            </p:childTnLst>
+                          </p:cTn>
+                        </p:par>
+                      </p:childTnLst>
+                    </p:cTn>
+                  </p:par>
+                  <p:par>
+                    <p:cTn id="17" fill="hold">
+                      <p:stCondLst>
+                        <p:cond delay="indefinite"/>
+                      </p:stCondLst>
+                      <p:childTnLst>
+                        <p:par>
+                          <p:cTn id="18" fill="hold">
+                            <p:stCondLst>
+                              <p:cond delay="0"/>
+                            </p:stCondLst>
+                            <p:childTnLst>
+                              <p:par>
+                                <p:cTn id="19" presetID="42" presetClass="entr" presetSubtype="0" fill="hold" nodeType="clickEffect">
+                                  <p:stCondLst>
+                                    <p:cond delay="0"/>
+                                  </p:stCondLst>
+                                  <p:childTnLst>
+                                    <p:set>
+                                      <p:cBhvr>
+                                        <p:cTn id="20" dur="1" fill="hold">
+                                          <p:stCondLst>
+                                            <p:cond delay="0"/>
+                                          </p:stCondLst>
+                                        </p:cTn>
+                                        <p:tgtEl>
+                                          <p:spTgt spid="3">
+                                            <p:txEl>
+                                              <p:pRg st="2" end="2"/>
+                                            </p:txEl>
+                                          </p:spTgt>
+                                        </p:tgtEl>
+                                        <p:attrNameLst>
+                                          <p:attrName>style.visibility</p:attrName>
+                                        </p:attrNameLst>
+                                      </p:cBhvr>
+                                      <p:to>
+                                        <p:strVal val="visible"/>
+                                      </p:to>
+                                    </p:set>
+                                    <p:animEffect transition="in" filter="fade">
+                                      <p:cBhvr>
+                                        <p:cTn id="21" dur="1000"/>
+                                        <p:tgtEl>
+                                          <p:spTgt spid="3">
+                                            <p:txEl>
+                                              <p:pRg st="2" end="2"/>
+                                            </p:txEl>
+                                          </p:spTgt>
+                                        </p:tgtEl>
+                                      </p:cBhvr>
+                                    </p:animEffect>
+                                    <p:anim calcmode="lin" valueType="num">
+                                      <p:cBhvr>
+                                        <p:cTn id="22" dur="1000" fill="hold"/>
+                                        <p:tgtEl>
+                                          <p:spTgt spid="3">
+                                            <p:txEl>
+                                              <p:pRg st="2" end="2"/>
+                                            </p:txEl>
+                                          </p:spTgt>
+                                        </p:tgtEl>
+                                        <p:attrNameLst>
+                                          <p:attrName>ppt_x</p:attrName>
+                                        </p:attrNameLst>
+                                      </p:cBhvr>
+                                      <p:tavLst>
+                                        <p:tav tm="0">
+                                          <p:val>
+                                            <p:strVal val="#ppt_x"/>
+                                          </p:val>
+                                        </p:tav>
+                                        <p:tav tm="100000">
+                                          <p:val>
+                                            <p:strVal val="#ppt_x"/>
+                                          </p:val>
+                                        </p:tav>
+                                      </p:tavLst>
+                                    </p:anim>
+                                    <p:anim calcmode="lin" valueType="num">
+                                      <p:cBhvr>
+                                        <p:cTn id="23" dur="1000" fill="hold"/>
+                                        <p:tgtEl>
+                                          <p:spTgt spid="3">
+                                            <p:txEl>
+                                              <p:pRg st="2" end="2"/>
+                                            </p:txEl>
+                                          </p:spTgt>
+                                        </p:tgtEl>
+                                        <p:attrNameLst>
+                                          <p:attrName>ppt_y</p:attrName>
+                                        </p:attrNameLst>
+                                      </p:cBhvr>
+                                      <p:tavLst>
+                                        <p:tav tm="0">
+                                          <p:val>
+                                            <p:strVal val="#ppt_y+.1"/>
+                                          </p:val>
+                                        </p:tav>
+                                        <p:tav tm="100000">
+                                          <p:val>
+                                            <p:strVal val="#ppt_y"/>
+                                          </p:val>
+                                        </p:tav>
+                                      </p:tavLst>
+                                    </p:anim>
+                                  </p:childTnLst>
+                                </p:cTn>
+                              </p:par>
+                            </p:childTnLst>
+                          </p:cTn>
+                        </p:par>
+                      </p:childTnLst>
+                    </p:cTn>
+                  </p:par>
+                </p:childTnLst>
+              </p:cTn>
+              <p:prevCondLst>
+                <p:cond evt="onPrev" delay="0">
+                  <p:tgtEl>
+                    <p:sldTgt/>
+                  </p:tgtEl>
+                </p:cond>
+              </p:prevCondLst>
+              <p:nextCondLst>
+                <p:cond evt="onNext" delay="0">
+                  <p:tgtEl>
+                    <p:sldTgt/>
+                  </p:tgtEl>
+                </p:cond>
+              </p:nextCondLst>
+            </p:seq>
+          </p:childTnLst>
+        </p:cTn>
+      </p:par>
+    </p:tnLst>
+  </p:timing>
 </p:sld>
 </file>
 
@@ -15639,15 +20412,6 @@
 </file>
 
 <file path=customXml/item1.xml><?xml version="1.0" encoding="utf-8"?>
-<?mso-contentType ?>
-<FormTemplates xmlns="http://schemas.microsoft.com/sharepoint/v3/contenttype/forms">
-  <Display>DocumentLibraryForm</Display>
-  <Edit>DocumentLibraryForm</Edit>
-  <New>DocumentLibraryForm</New>
-</FormTemplates>
-</file>
-
-<file path=customXml/item2.xml><?xml version="1.0" encoding="utf-8"?>
 <p:properties xmlns:p="http://schemas.microsoft.com/office/2006/metadata/properties" xmlns:xsi="http://www.w3.org/2001/XMLSchema-instance" xmlns:pc="http://schemas.microsoft.com/office/infopath/2007/PartnerControls">
   <documentManagement>
     <VSO_x0020_item_x0020_id xmlns="40262f94-9f35-4ac3-9a90-690165a166b7" xsi:nil="true"/>
@@ -15656,6 +20420,15 @@
     <Template_x0020_details xmlns="40262f94-9f35-4ac3-9a90-690165a166b7" xsi:nil="true"/>
   </documentManagement>
 </p:properties>
+</file>
+
+<file path=customXml/item2.xml><?xml version="1.0" encoding="utf-8"?>
+<?mso-contentType ?>
+<FormTemplates xmlns="http://schemas.microsoft.com/sharepoint/v3/contenttype/forms">
+  <Display>DocumentLibraryForm</Display>
+  <Edit>DocumentLibraryForm</Edit>
+  <New>DocumentLibraryForm</New>
+</FormTemplates>
 </file>
 
 <file path=customXml/item3.xml><?xml version="1.0" encoding="utf-8"?>
@@ -15840,26 +20613,26 @@
 </file>
 
 <file path=customXml/itemProps1.xml><?xml version="1.0" encoding="utf-8"?>
-<ds:datastoreItem xmlns:ds="http://schemas.openxmlformats.org/officeDocument/2006/customXml" ds:itemID="{653E1689-1E09-4ADC-A5E7-6718BF79A8A6}">
+<ds:datastoreItem xmlns:ds="http://schemas.openxmlformats.org/officeDocument/2006/customXml" ds:itemID="{3FFF1070-8794-47AC-90B7-1F2E078096FF}">
   <ds:schemaRefs>
-    <ds:schemaRef ds:uri="http://schemas.microsoft.com/sharepoint/v3/contenttype/forms"/>
+    <ds:schemaRef ds:uri="http://schemas.openxmlformats.org/package/2006/metadata/core-properties"/>
+    <ds:schemaRef ds:uri="http://schemas.microsoft.com/office/2006/documentManagement/types"/>
+    <ds:schemaRef ds:uri="http://schemas.microsoft.com/office/infopath/2007/PartnerControls"/>
+    <ds:schemaRef ds:uri="http://purl.org/dc/elements/1.1/"/>
+    <ds:schemaRef ds:uri="http://schemas.microsoft.com/office/2006/metadata/properties"/>
+    <ds:schemaRef ds:uri="40262f94-9f35-4ac3-9a90-690165a166b7"/>
+    <ds:schemaRef ds:uri="http://purl.org/dc/terms/"/>
+    <ds:schemaRef ds:uri="a4f35948-e619-41b3-aa29-22878b09cfd2"/>
+    <ds:schemaRef ds:uri="http://www.w3.org/XML/1998/namespace"/>
+    <ds:schemaRef ds:uri="http://purl.org/dc/dcmitype/"/>
   </ds:schemaRefs>
 </ds:datastoreItem>
 </file>
 
 <file path=customXml/itemProps2.xml><?xml version="1.0" encoding="utf-8"?>
-<ds:datastoreItem xmlns:ds="http://schemas.openxmlformats.org/officeDocument/2006/customXml" ds:itemID="{3FFF1070-8794-47AC-90B7-1F2E078096FF}">
+<ds:datastoreItem xmlns:ds="http://schemas.openxmlformats.org/officeDocument/2006/customXml" ds:itemID="{653E1689-1E09-4ADC-A5E7-6718BF79A8A6}">
   <ds:schemaRefs>
-    <ds:schemaRef ds:uri="http://purl.org/dc/elements/1.1/"/>
-    <ds:schemaRef ds:uri="http://schemas.microsoft.com/office/2006/metadata/properties"/>
-    <ds:schemaRef ds:uri="http://schemas.openxmlformats.org/package/2006/metadata/core-properties"/>
-    <ds:schemaRef ds:uri="http://schemas.microsoft.com/office/2006/documentManagement/types"/>
-    <ds:schemaRef ds:uri="http://purl.org/dc/dcmitype/"/>
-    <ds:schemaRef ds:uri="40262f94-9f35-4ac3-9a90-690165a166b7"/>
-    <ds:schemaRef ds:uri="http://schemas.microsoft.com/office/infopath/2007/PartnerControls"/>
-    <ds:schemaRef ds:uri="a4f35948-e619-41b3-aa29-22878b09cfd2"/>
-    <ds:schemaRef ds:uri="http://www.w3.org/XML/1998/namespace"/>
-    <ds:schemaRef ds:uri="http://purl.org/dc/terms/"/>
+    <ds:schemaRef ds:uri="http://schemas.microsoft.com/sharepoint/v3/contenttype/forms"/>
   </ds:schemaRefs>
 </ds:datastoreItem>
 </file>
